--- a/Courses/Software-Sciences/Module-1-OOP/11.1-Polymorphism-Basics/11.1-Polymorphism-Basics.pptx
+++ b/Courses/Software-Sciences/Module-1-OOP/11.1-Polymorphism-Basics/11.1-Polymorphism-Basics.pptx
@@ -327,7 +327,7 @@
           <a:p>
             <a:fld id="{4E087215-0C8F-4762-A664-737A353EC9A4}" type="datetimeFigureOut">
               <a:rPr lang="bg-BG" smtClean="0"/>
-              <a:t>18.01.23 г.</a:t>
+              <a:t>17.05.23 г.</a:t>
             </a:fld>
             <a:endParaRPr lang="bg-BG"/>
           </a:p>
@@ -518,7 +518,7 @@
           <a:p>
             <a:fld id="{72D84649-876A-46C9-8472-14CB09C070D8}" type="datetimeFigureOut">
               <a:rPr lang="en-US" smtClean="0"/>
-              <a:t>1/18/23</a:t>
+              <a:t>5/17/23</a:t>
             </a:fld>
             <a:endParaRPr lang="en-US"/>
           </a:p>
@@ -15637,7 +15637,7 @@
               <a:rPr lang="en-US" dirty="0">
                 <a:hlinkClick r:id="rId3"/>
               </a:rPr>
-              <a:t>https://judge.softuni.bg/Contests/Practice/Index/3167#0</a:t>
+              <a:t>https://judge.softuni.org/Contests/Practice/Index/4068#0</a:t>
             </a:r>
             <a:endParaRPr lang="en-US" u="sng" dirty="0">
               <a:solidFill>
@@ -25691,7 +25691,7 @@
               <a:rPr lang="en-US" dirty="0">
                 <a:hlinkClick r:id="rId3"/>
               </a:rPr>
-              <a:t>https://judge.softuni.bg/Contests/Practice/Index/3167#1</a:t>
+              <a:t>https://judge.softuni.org/Contests/Practice/Index/4068#1</a:t>
             </a:r>
             <a:endParaRPr lang="en-US" u="sng" dirty="0">
               <a:solidFill>
@@ -29942,7 +29942,7 @@
         </p:nvGrpSpPr>
         <p:grpSpPr>
           <a:xfrm>
-            <a:off x="191942" y="1428715"/>
+            <a:off x="484387" y="1443818"/>
             <a:ext cx="9714058" cy="5300339"/>
             <a:chOff x="472011" y="1508786"/>
             <a:chExt cx="3799787" cy="4865561"/>
@@ -30448,66 +30448,80 @@
               </a:buClr>
             </a:pPr>
             <a:r>
-              <a:rPr lang="bg-BG" sz="3400">
+              <a:rPr lang="bg-BG" sz="3400" dirty="0">
                 <a:solidFill>
                   <a:schemeClr val="bg2"/>
                 </a:solidFill>
+                <a:latin typeface="Calibri" panose="020F0502020204030204" pitchFamily="34" charset="0"/>
+                <a:cs typeface="Calibri" panose="020F0502020204030204" pitchFamily="34" charset="0"/>
               </a:rPr>
               <a:t>Полиморфизъм</a:t>
             </a:r>
             <a:r>
-              <a:rPr lang="en-US" sz="3400">
+              <a:rPr lang="en-US" sz="3400" dirty="0">
                 <a:solidFill>
                   <a:schemeClr val="bg2"/>
                 </a:solidFill>
+                <a:latin typeface="Calibri" panose="020F0502020204030204" pitchFamily="34" charset="0"/>
+                <a:cs typeface="Calibri" panose="020F0502020204030204" pitchFamily="34" charset="0"/>
               </a:rPr>
               <a:t> – </a:t>
             </a:r>
             <a:r>
-              <a:rPr lang="bg-BG" sz="3400">
+              <a:rPr lang="bg-BG" sz="3400" dirty="0">
                 <a:solidFill>
                   <a:schemeClr val="bg2"/>
                 </a:solidFill>
+                <a:latin typeface="Calibri" panose="020F0502020204030204" pitchFamily="34" charset="0"/>
+                <a:cs typeface="Calibri" panose="020F0502020204030204" pitchFamily="34" charset="0"/>
               </a:rPr>
               <a:t>способността на един </a:t>
             </a:r>
             <a:r>
-              <a:rPr lang="bg-BG" sz="3400">
+              <a:rPr lang="bg-BG" sz="3400" dirty="0">
                 <a:solidFill>
                   <a:schemeClr val="bg1">
                     <a:lumMod val="60000"/>
                     <a:lumOff val="40000"/>
                   </a:schemeClr>
                 </a:solidFill>
+                <a:latin typeface="Calibri" panose="020F0502020204030204" pitchFamily="34" charset="0"/>
+                <a:cs typeface="Calibri" panose="020F0502020204030204" pitchFamily="34" charset="0"/>
               </a:rPr>
               <a:t>обект </a:t>
             </a:r>
             <a:r>
-              <a:rPr lang="bg-BG" sz="3400">
+              <a:rPr lang="bg-BG" sz="3400" dirty="0">
                 <a:solidFill>
                   <a:schemeClr val="bg2"/>
                 </a:solidFill>
+                <a:latin typeface="Calibri" panose="020F0502020204030204" pitchFamily="34" charset="0"/>
+                <a:cs typeface="Calibri" panose="020F0502020204030204" pitchFamily="34" charset="0"/>
               </a:rPr>
               <a:t>да приема </a:t>
             </a:r>
             <a:r>
-              <a:rPr lang="bg-BG" sz="3400">
+              <a:rPr lang="bg-BG" sz="3400" dirty="0">
                 <a:solidFill>
                   <a:schemeClr val="bg1">
                     <a:lumMod val="60000"/>
                     <a:lumOff val="40000"/>
                   </a:schemeClr>
                 </a:solidFill>
+                <a:latin typeface="Calibri" panose="020F0502020204030204" pitchFamily="34" charset="0"/>
+                <a:cs typeface="Calibri" panose="020F0502020204030204" pitchFamily="34" charset="0"/>
               </a:rPr>
               <a:t>много форми</a:t>
             </a:r>
-            <a:endParaRPr lang="en-US" sz="3400">
+            <a:endParaRPr lang="en-US" sz="3400" dirty="0">
               <a:solidFill>
                 <a:schemeClr val="bg1">
                   <a:lumMod val="60000"/>
                   <a:lumOff val="40000"/>
                 </a:schemeClr>
               </a:solidFill>
+              <a:latin typeface="Calibri" panose="020F0502020204030204" pitchFamily="34" charset="0"/>
+              <a:cs typeface="Calibri" panose="020F0502020204030204" pitchFamily="34" charset="0"/>
             </a:endParaRPr>
           </a:p>
           <a:p>
@@ -30526,18 +30540,22 @@
               </a:buClr>
             </a:pPr>
             <a:r>
-              <a:rPr lang="bg-BG" sz="3400">
+              <a:rPr lang="bg-BG" sz="3400" dirty="0">
                 <a:solidFill>
                   <a:schemeClr val="bg2"/>
                 </a:solidFill>
+                <a:latin typeface="Calibri" panose="020F0502020204030204" pitchFamily="34" charset="0"/>
+                <a:cs typeface="Calibri" panose="020F0502020204030204" pitchFamily="34" charset="0"/>
               </a:rPr>
               <a:t>Видове полиморфизъм</a:t>
             </a:r>
             <a:r>
-              <a:rPr lang="en-US" sz="3400">
+              <a:rPr lang="en-US" sz="3400" dirty="0">
                 <a:solidFill>
                   <a:schemeClr val="bg2"/>
                 </a:solidFill>
+                <a:latin typeface="Calibri" panose="020F0502020204030204" pitchFamily="34" charset="0"/>
+                <a:cs typeface="Calibri" panose="020F0502020204030204" pitchFamily="34" charset="0"/>
               </a:rPr>
               <a:t>:</a:t>
             </a:r>
@@ -30558,13 +30576,15 @@
               </a:buClr>
             </a:pPr>
             <a:r>
-              <a:rPr lang="bg-BG" sz="3200">
+              <a:rPr lang="bg-BG" sz="3200" dirty="0">
                 <a:solidFill>
                   <a:schemeClr val="bg1">
                     <a:lumMod val="60000"/>
                     <a:lumOff val="40000"/>
                   </a:schemeClr>
                 </a:solidFill>
+                <a:latin typeface="Calibri" panose="020F0502020204030204" pitchFamily="34" charset="0"/>
+                <a:cs typeface="Calibri" panose="020F0502020204030204" pitchFamily="34" charset="0"/>
               </a:rPr>
               <a:t>По време на компилация</a:t>
             </a:r>
@@ -30585,55 +30605,67 @@
               </a:buClr>
             </a:pPr>
             <a:r>
-              <a:rPr lang="bg-BG" sz="3000">
+              <a:rPr lang="bg-BG" sz="3000" dirty="0">
                 <a:solidFill>
                   <a:schemeClr val="bg2"/>
                 </a:solidFill>
+                <a:latin typeface="Calibri" panose="020F0502020204030204" pitchFamily="34" charset="0"/>
+                <a:cs typeface="Calibri" panose="020F0502020204030204" pitchFamily="34" charset="0"/>
               </a:rPr>
               <a:t>Осъществява се чрез </a:t>
             </a:r>
             <a:r>
-              <a:rPr lang="en-US" sz="3000">
+              <a:rPr lang="en-US" sz="3000" dirty="0">
                 <a:solidFill>
                   <a:schemeClr val="bg1">
                     <a:lumMod val="60000"/>
                     <a:lumOff val="40000"/>
                   </a:schemeClr>
                 </a:solidFill>
+                <a:latin typeface="Calibri" panose="020F0502020204030204" pitchFamily="34" charset="0"/>
+                <a:cs typeface="Calibri" panose="020F0502020204030204" pitchFamily="34" charset="0"/>
               </a:rPr>
               <a:t>overloading</a:t>
             </a:r>
             <a:r>
-              <a:rPr lang="bg-BG" sz="3000">
+              <a:rPr lang="bg-BG" sz="3000" dirty="0">
                 <a:solidFill>
                   <a:schemeClr val="bg1">
                     <a:lumMod val="60000"/>
                     <a:lumOff val="40000"/>
                   </a:schemeClr>
                 </a:solidFill>
+                <a:latin typeface="Calibri" panose="020F0502020204030204" pitchFamily="34" charset="0"/>
+                <a:cs typeface="Calibri" panose="020F0502020204030204" pitchFamily="34" charset="0"/>
               </a:rPr>
               <a:t> (презареждане) </a:t>
             </a:r>
             <a:r>
-              <a:rPr lang="en-US" sz="3000">
+              <a:rPr lang="en-US" sz="3000" dirty="0">
                 <a:solidFill>
                   <a:schemeClr val="bg2"/>
                 </a:solidFill>
+                <a:latin typeface="Calibri" panose="020F0502020204030204" pitchFamily="34" charset="0"/>
+                <a:cs typeface="Calibri" panose="020F0502020204030204" pitchFamily="34" charset="0"/>
               </a:rPr>
               <a:t>– </a:t>
             </a:r>
             <a:r>
-              <a:rPr lang="bg-BG" sz="3000">
+              <a:rPr lang="bg-BG" sz="3000" dirty="0">
                 <a:solidFill>
                   <a:schemeClr val="bg2"/>
                 </a:solidFill>
+                <a:latin typeface="Calibri" panose="020F0502020204030204" pitchFamily="34" charset="0"/>
+                <a:cs typeface="Calibri" panose="020F0502020204030204" pitchFamily="34" charset="0"/>
               </a:rPr>
               <a:t>едно и също име на метода, но различна имплементация</a:t>
             </a:r>
-            <a:endParaRPr lang="en-US" sz="3000">
+            <a:endParaRPr lang="en-US" sz="3000" dirty="0">
               <a:solidFill>
                 <a:schemeClr val="bg2"/>
               </a:solidFill>
+              <a:latin typeface="Calibri" panose="020F0502020204030204" pitchFamily="34" charset="0"/>
+              <a:cs typeface="Calibri" panose="020F0502020204030204" pitchFamily="34" charset="0"/>
             </a:endParaRPr>
           </a:p>
           <a:p>
@@ -30652,20 +30684,24 @@
               </a:buClr>
             </a:pPr>
             <a:r>
-              <a:rPr lang="bg-BG" sz="3200">
+              <a:rPr lang="bg-BG" sz="3200" dirty="0">
                 <a:solidFill>
                   <a:schemeClr val="bg1">
                     <a:lumMod val="60000"/>
                     <a:lumOff val="40000"/>
                   </a:schemeClr>
                 </a:solidFill>
+                <a:latin typeface="Calibri" panose="020F0502020204030204" pitchFamily="34" charset="0"/>
+                <a:cs typeface="Calibri" panose="020F0502020204030204" pitchFamily="34" charset="0"/>
               </a:rPr>
               <a:t>По време на изпълнение</a:t>
             </a:r>
-            <a:endParaRPr lang="en-US" sz="3200">
+            <a:endParaRPr lang="en-US" sz="3200" dirty="0">
               <a:solidFill>
                 <a:schemeClr val="bg2"/>
               </a:solidFill>
+              <a:latin typeface="Calibri" panose="020F0502020204030204" pitchFamily="34" charset="0"/>
+              <a:cs typeface="Calibri" panose="020F0502020204030204" pitchFamily="34" charset="0"/>
             </a:endParaRPr>
           </a:p>
           <a:p>
@@ -30684,101 +30720,123 @@
               </a:buClr>
             </a:pPr>
             <a:r>
-              <a:rPr lang="bg-BG" sz="3000">
+              <a:rPr lang="bg-BG" sz="3000" dirty="0">
                 <a:solidFill>
                   <a:schemeClr val="bg2"/>
                 </a:solidFill>
+                <a:latin typeface="Calibri" panose="020F0502020204030204" pitchFamily="34" charset="0"/>
+                <a:cs typeface="Calibri" panose="020F0502020204030204" pitchFamily="34" charset="0"/>
               </a:rPr>
               <a:t>Осъществява се чрез </a:t>
             </a:r>
             <a:r>
-              <a:rPr lang="en-US" sz="3000">
+              <a:rPr lang="en-US" sz="3000" dirty="0">
                 <a:solidFill>
                   <a:schemeClr val="bg1">
                     <a:lumMod val="60000"/>
                     <a:lumOff val="40000"/>
                   </a:schemeClr>
                 </a:solidFill>
+                <a:latin typeface="Calibri" panose="020F0502020204030204" pitchFamily="34" charset="0"/>
+                <a:cs typeface="Calibri" panose="020F0502020204030204" pitchFamily="34" charset="0"/>
               </a:rPr>
               <a:t>overriding</a:t>
             </a:r>
             <a:r>
-              <a:rPr lang="bg-BG" sz="3000">
+              <a:rPr lang="bg-BG" sz="3000" dirty="0">
                 <a:solidFill>
                   <a:schemeClr val="bg1">
                     <a:lumMod val="60000"/>
                     <a:lumOff val="40000"/>
                   </a:schemeClr>
                 </a:solidFill>
+                <a:latin typeface="Calibri" panose="020F0502020204030204" pitchFamily="34" charset="0"/>
+                <a:cs typeface="Calibri" panose="020F0502020204030204" pitchFamily="34" charset="0"/>
               </a:rPr>
               <a:t> (презаписване)</a:t>
             </a:r>
             <a:r>
-              <a:rPr lang="bg-BG" sz="3000">
+              <a:rPr lang="bg-BG" sz="3000" dirty="0">
                 <a:solidFill>
                   <a:schemeClr val="bg2"/>
                 </a:solidFill>
+                <a:latin typeface="Calibri" panose="020F0502020204030204" pitchFamily="34" charset="0"/>
+                <a:cs typeface="Calibri" panose="020F0502020204030204" pitchFamily="34" charset="0"/>
               </a:rPr>
               <a:t> </a:t>
             </a:r>
             <a:r>
-              <a:rPr lang="en-US" sz="3000">
+              <a:rPr lang="en-US" sz="3000" dirty="0">
                 <a:solidFill>
                   <a:schemeClr val="bg2"/>
                 </a:solidFill>
+                <a:latin typeface="Calibri" panose="020F0502020204030204" pitchFamily="34" charset="0"/>
+                <a:cs typeface="Calibri" panose="020F0502020204030204" pitchFamily="34" charset="0"/>
               </a:rPr>
               <a:t>– </a:t>
             </a:r>
             <a:r>
-              <a:rPr lang="bg-BG" sz="3000">
+              <a:rPr lang="bg-BG" sz="3000" dirty="0">
                 <a:solidFill>
                   <a:schemeClr val="bg2"/>
                 </a:solidFill>
+                <a:latin typeface="Calibri" panose="020F0502020204030204" pitchFamily="34" charset="0"/>
+                <a:cs typeface="Calibri" panose="020F0502020204030204" pitchFamily="34" charset="0"/>
               </a:rPr>
               <a:t>чрез ключовите думи</a:t>
             </a:r>
             <a:r>
-              <a:rPr lang="en-US" sz="3000">
+              <a:rPr lang="en-US" sz="3000" dirty="0">
                 <a:solidFill>
                   <a:schemeClr val="bg2"/>
                 </a:solidFill>
+                <a:latin typeface="Calibri" panose="020F0502020204030204" pitchFamily="34" charset="0"/>
+                <a:cs typeface="Calibri" panose="020F0502020204030204" pitchFamily="34" charset="0"/>
               </a:rPr>
               <a:t> </a:t>
             </a:r>
             <a:r>
-              <a:rPr lang="en-US" sz="3000">
+              <a:rPr lang="en-US" sz="3000" dirty="0">
                 <a:solidFill>
                   <a:schemeClr val="bg1">
                     <a:lumMod val="60000"/>
                     <a:lumOff val="40000"/>
                   </a:schemeClr>
                 </a:solidFill>
+                <a:latin typeface="Calibri" panose="020F0502020204030204" pitchFamily="34" charset="0"/>
+                <a:cs typeface="Calibri" panose="020F0502020204030204" pitchFamily="34" charset="0"/>
               </a:rPr>
               <a:t>virtual</a:t>
             </a:r>
             <a:r>
-              <a:rPr lang="en-US" sz="3000">
+              <a:rPr lang="en-US" sz="3000" dirty="0">
                 <a:solidFill>
                   <a:schemeClr val="bg2"/>
                 </a:solidFill>
+                <a:latin typeface="Calibri" panose="020F0502020204030204" pitchFamily="34" charset="0"/>
+                <a:cs typeface="Calibri" panose="020F0502020204030204" pitchFamily="34" charset="0"/>
               </a:rPr>
               <a:t> + </a:t>
             </a:r>
             <a:r>
-              <a:rPr lang="en-US" sz="3000">
+              <a:rPr lang="en-US" sz="3000" dirty="0">
                 <a:solidFill>
                   <a:schemeClr val="bg1">
                     <a:lumMod val="60000"/>
                     <a:lumOff val="40000"/>
                   </a:schemeClr>
                 </a:solidFill>
+                <a:latin typeface="Calibri" panose="020F0502020204030204" pitchFamily="34" charset="0"/>
+                <a:cs typeface="Calibri" panose="020F0502020204030204" pitchFamily="34" charset="0"/>
               </a:rPr>
               <a:t>override</a:t>
             </a:r>
-            <a:endParaRPr lang="en-US" sz="3000">
+            <a:endParaRPr lang="en-US" sz="3000" dirty="0">
               <a:solidFill>
                 <a:schemeClr val="bg2"/>
               </a:solidFill>
+              <a:latin typeface="Calibri" panose="020F0502020204030204" pitchFamily="34" charset="0"/>
+              <a:cs typeface="Calibri" panose="020F0502020204030204" pitchFamily="34" charset="0"/>
             </a:endParaRPr>
           </a:p>
         </p:txBody>

--- a/Courses/Software-Sciences/Module-1-OOP/11.1-Polymorphism-Basics/11.1-Polymorphism-Basics.pptx
+++ b/Courses/Software-Sciences/Module-1-OOP/11.1-Polymorphism-Basics/11.1-Polymorphism-Basics.pptx
@@ -327,7 +327,7 @@
           <a:p>
             <a:fld id="{4E087215-0C8F-4762-A664-737A353EC9A4}" type="datetimeFigureOut">
               <a:rPr lang="bg-BG" smtClean="0"/>
-              <a:t>17.05.23 г.</a:t>
+              <a:t>2.7.2023 г.</a:t>
             </a:fld>
             <a:endParaRPr lang="bg-BG"/>
           </a:p>
@@ -518,7 +518,7 @@
           <a:p>
             <a:fld id="{72D84649-876A-46C9-8472-14CB09C070D8}" type="datetimeFigureOut">
               <a:rPr lang="en-US" smtClean="0"/>
-              <a:t>5/17/23</a:t>
+              <a:t>2-Jul-23</a:t>
             </a:fld>
             <a:endParaRPr lang="en-US"/>
           </a:p>
@@ -12674,7 +12674,7 @@
         </p:nvSpPr>
         <p:spPr bwMode="auto">
           <a:xfrm>
-            <a:off x="247147" y="1821848"/>
+            <a:off x="247147" y="1917329"/>
             <a:ext cx="5773547" cy="3131671"/>
           </a:xfrm>
           <a:prstGeom prst="rect">
@@ -12858,7 +12858,7 @@
         </p:nvSpPr>
         <p:spPr bwMode="auto">
           <a:xfrm>
-            <a:off x="6006000" y="1821847"/>
+            <a:off x="6006000" y="1917328"/>
             <a:ext cx="6036662" cy="3131671"/>
           </a:xfrm>
           <a:prstGeom prst="rect">
@@ -17645,7 +17645,7 @@
         </p:nvSpPr>
         <p:spPr>
           <a:xfrm>
-            <a:off x="699450" y="1771441"/>
+            <a:off x="699450" y="1917344"/>
             <a:ext cx="10800000" cy="2141656"/>
           </a:xfrm>
           <a:prstGeom prst="rect">
@@ -18369,8 +18369,8 @@
         </p:nvSpPr>
         <p:spPr>
           <a:xfrm>
-            <a:off x="186952" y="1539000"/>
-            <a:ext cx="11818096" cy="5528766"/>
+            <a:off x="186952" y="1449000"/>
+            <a:ext cx="11818096" cy="5040000"/>
           </a:xfrm>
         </p:spPr>
         <p:txBody>
@@ -18384,10 +18384,13 @@
               <a:buAutoNum type="arabicPeriod"/>
             </a:pPr>
             <a:r>
+              <a:rPr lang="bg-BG" b="1" dirty="0"/>
+              <a:t>Полиморфизъм</a:t>
+            </a:r>
+            <a:r>
               <a:rPr lang="bg-BG" dirty="0"/>
-              <a:t>Полиморфизъм</a:t>
-            </a:r>
-            <a:endParaRPr lang="en-US" dirty="0"/>
+              <a:t> в ООП: третиране на обекти от производен клас като обекти от базов клас</a:t>
+            </a:r>
           </a:p>
           <a:p>
             <a:pPr marL="514350" indent="-514350">
@@ -18399,8 +18402,12 @@
               <a:t>Операторите </a:t>
             </a:r>
             <a:r>
+              <a:rPr lang="en-US" b="1" dirty="0"/>
+              <a:t>is</a:t>
+            </a:r>
+            <a:r>
               <a:rPr lang="en-US" dirty="0"/>
-              <a:t>Is </a:t>
+              <a:t> </a:t>
             </a:r>
             <a:r>
               <a:rPr lang="bg-BG" dirty="0"/>
@@ -18408,9 +18415,20 @@
             </a:r>
             <a:r>
               <a:rPr lang="en-US" dirty="0"/>
-              <a:t> As</a:t>
-            </a:r>
-            <a:endParaRPr lang="bg-BG" dirty="0"/>
+              <a:t> </a:t>
+            </a:r>
+            <a:r>
+              <a:rPr lang="en-US" b="1" dirty="0"/>
+              <a:t>as</a:t>
+            </a:r>
+            <a:r>
+              <a:rPr lang="en-US" dirty="0"/>
+              <a:t> (</a:t>
+            </a:r>
+            <a:r>
+              <a:rPr lang="bg-BG" dirty="0"/>
+              <a:t>проверка и смяна на тип)</a:t>
+            </a:r>
           </a:p>
           <a:p>
             <a:pPr marL="514350" indent="-514350">
@@ -18424,10 +18442,7 @@
             <a:endParaRPr lang="en-GB" dirty="0"/>
           </a:p>
           <a:p>
-            <a:pPr marL="514350" indent="-514350">
-              <a:buFont typeface="+mj-lt"/>
-              <a:buAutoNum type="arabicPeriod"/>
-            </a:pPr>
+            <a:pPr lvl="1"/>
             <a:r>
               <a:rPr lang="bg-BG" dirty="0"/>
               <a:t>Полиморфизъм по време на компилация </a:t>
@@ -18441,22 +18456,28 @@
               <a:t>варианти на методи (</a:t>
             </a:r>
             <a:r>
+              <a:rPr lang="en-US" b="1" dirty="0"/>
+              <a:t>overload</a:t>
+            </a:r>
+            <a:r>
               <a:rPr lang="en-US" dirty="0"/>
-              <a:t>overload)</a:t>
-            </a:r>
-          </a:p>
-          <a:p>
-            <a:pPr marL="514350" indent="-514350">
-              <a:buFont typeface="+mj-lt"/>
-              <a:buAutoNum type="arabicPeriod"/>
-            </a:pPr>
+              <a:t>)</a:t>
+            </a:r>
+            <a:r>
+              <a:rPr lang="bg-BG" dirty="0"/>
+              <a:t> с различни параметри</a:t>
+            </a:r>
+            <a:endParaRPr lang="en-US" dirty="0"/>
+          </a:p>
+          <a:p>
+            <a:pPr lvl="1"/>
             <a:r>
               <a:rPr lang="bg-BG" dirty="0"/>
               <a:t>Полиморфизъм по време на изпълнение</a:t>
             </a:r>
             <a:r>
               <a:rPr lang="en-US" dirty="0"/>
-              <a:t>– </a:t>
+              <a:t> – </a:t>
             </a:r>
             <a:r>
               <a:rPr lang="bg-BG" dirty="0"/>
@@ -18464,7 +18485,19 @@
             </a:r>
             <a:r>
               <a:rPr lang="en-US" dirty="0"/>
-              <a:t> (override)</a:t>
+              <a:t> (</a:t>
+            </a:r>
+            <a:r>
+              <a:rPr lang="en-US" b="1" dirty="0"/>
+              <a:t>override</a:t>
+            </a:r>
+            <a:r>
+              <a:rPr lang="en-US" dirty="0"/>
+              <a:t>) </a:t>
+            </a:r>
+            <a:r>
+              <a:rPr lang="bg-BG" dirty="0"/>
+              <a:t>в клас-наследник</a:t>
             </a:r>
             <a:endParaRPr lang="en-GB" dirty="0"/>
           </a:p>
@@ -26288,6 +26321,34 @@
       </p:pic>
       <p:sp>
         <p:nvSpPr>
+          <p:cNvPr id="3" name="Subtitle 2">
+            <a:extLst>
+              <a:ext uri="{FF2B5EF4-FFF2-40B4-BE49-F238E27FC236}">
+                <a16:creationId xmlns:a16="http://schemas.microsoft.com/office/drawing/2014/main" id="{51A936EE-5CBB-3EDA-C0AD-36911500B48E}"/>
+              </a:ext>
+            </a:extLst>
+          </p:cNvPr>
+          <p:cNvSpPr>
+            <a:spLocks noGrp="1"/>
+          </p:cNvSpPr>
+          <p:nvPr>
+            <p:ph type="subTitle" sz="quarter" idx="11"/>
+          </p:nvPr>
+        </p:nvSpPr>
+        <p:spPr/>
+        <p:txBody>
+          <a:bodyPr/>
+          <a:lstStyle/>
+          <a:p>
+            <a:r>
+              <a:rPr lang="bg-BG"/>
+              <a:t>Достъп до обект през базов тип</a:t>
+            </a:r>
+          </a:p>
+        </p:txBody>
+      </p:sp>
+      <p:sp>
+        <p:nvSpPr>
           <p:cNvPr id="4" name="Title 3">
             <a:extLst>
               <a:ext uri="{FF2B5EF4-FFF2-40B4-BE49-F238E27FC236}">
@@ -26304,7 +26365,7 @@
         </p:nvSpPr>
         <p:spPr>
           <a:xfrm>
-            <a:off x="613522" y="4914000"/>
+            <a:off x="615109" y="4704825"/>
             <a:ext cx="10961783" cy="768084"/>
           </a:xfrm>
         </p:spPr>
@@ -26314,7 +26375,7 @@
           <a:p>
             <a:r>
               <a:rPr lang="bg-BG" dirty="0"/>
-              <a:t>Полиморфизъм</a:t>
+              <a:t>Полиморфизъм в ООП</a:t>
             </a:r>
             <a:endParaRPr lang="en-US" dirty="0"/>
           </a:p>

--- a/Courses/Software-Sciences/Module-1-OOP/11.1-Polymorphism-Basics/11.1-Polymorphism-Basics.pptx
+++ b/Courses/Software-Sciences/Module-1-OOP/11.1-Polymorphism-Basics/11.1-Polymorphism-Basics.pptx
@@ -5,10 +5,10 @@
     <p:sldMasterId id="2147483675" r:id="rId1"/>
   </p:sldMasterIdLst>
   <p:notesMasterIdLst>
-    <p:notesMasterId r:id="rId37"/>
+    <p:notesMasterId r:id="rId36"/>
   </p:notesMasterIdLst>
   <p:handoutMasterIdLst>
-    <p:handoutMasterId r:id="rId38"/>
+    <p:handoutMasterId r:id="rId37"/>
   </p:handoutMasterIdLst>
   <p:sldIdLst>
     <p:sldId id="637" r:id="rId2"/>
@@ -42,10 +42,9 @@
     <p:sldId id="317" r:id="rId30"/>
     <p:sldId id="497" r:id="rId31"/>
     <p:sldId id="319" r:id="rId32"/>
-    <p:sldId id="320" r:id="rId33"/>
-    <p:sldId id="321" r:id="rId34"/>
-    <p:sldId id="504" r:id="rId35"/>
-    <p:sldId id="505" r:id="rId36"/>
+    <p:sldId id="321" r:id="rId33"/>
+    <p:sldId id="504" r:id="rId34"/>
+    <p:sldId id="505" r:id="rId35"/>
   </p:sldIdLst>
   <p:sldSz cx="12192000" cy="6858000"/>
   <p:notesSz cx="6858000" cy="9144000"/>
@@ -200,7 +199,6 @@
             <p14:sldId id="317"/>
             <p14:sldId id="497"/>
             <p14:sldId id="319"/>
-            <p14:sldId id="320"/>
           </p14:sldIdLst>
         </p14:section>
         <p14:section name="Обобщение" id="{1FE7BE3B-F9A2-4020-8B9F-86DC090902AB}">
@@ -327,7 +325,7 @@
           <a:p>
             <a:fld id="{4E087215-0C8F-4762-A664-737A353EC9A4}" type="datetimeFigureOut">
               <a:rPr lang="bg-BG" smtClean="0"/>
-              <a:t>12.10.23 г.</a:t>
+              <a:t>24.06.24 г.</a:t>
             </a:fld>
             <a:endParaRPr lang="bg-BG"/>
           </a:p>
@@ -523,7 +521,7 @@
           <a:p>
             <a:fld id="{72D84649-876A-46C9-8472-14CB09C070D8}" type="datetimeFigureOut">
               <a:rPr lang="en-US" smtClean="0"/>
-              <a:t>10/12/23</a:t>
+              <a:t>6/24/24</a:t>
             </a:fld>
             <a:endParaRPr lang="en-US"/>
           </a:p>
@@ -2845,12 +2843,29 @@
         </p:nvSpPr>
         <p:spPr/>
         <p:txBody>
-          <a:bodyPr>
-            <a:normAutofit/>
-          </a:bodyPr>
+          <a:bodyPr/>
           <a:lstStyle/>
           <a:p>
-            <a:pPr marL="0" marR="0" lvl="1" indent="0" algn="l" defTabSz="1218987" rtl="0" eaLnBrk="1" fontAlgn="auto" latinLnBrk="0" hangingPunct="1">
+            <a:endParaRPr lang="en-US"/>
+          </a:p>
+        </p:txBody>
+      </p:sp>
+      <p:sp>
+        <p:nvSpPr>
+          <p:cNvPr id="5" name="Slide Number Placeholder 4"/>
+          <p:cNvSpPr>
+            <a:spLocks noGrp="1"/>
+          </p:cNvSpPr>
+          <p:nvPr>
+            <p:ph type="sldNum" sz="quarter" idx="11"/>
+          </p:nvPr>
+        </p:nvSpPr>
+        <p:spPr/>
+        <p:txBody>
+          <a:bodyPr/>
+          <a:lstStyle/>
+          <a:p>
+            <a:pPr marL="0" marR="0" lvl="0" indent="0" algn="r" defTabSz="914400" rtl="0" eaLnBrk="1" fontAlgn="auto" latinLnBrk="0" hangingPunct="1">
               <a:lnSpc>
                 <a:spcPct val="100000"/>
               </a:lnSpc>
@@ -2867,38 +2882,54 @@
               <a:tabLst/>
               <a:defRPr/>
             </a:pPr>
-            <a:endParaRPr lang="bg-BG">
-              <a:solidFill>
-                <a:schemeClr val="tx1">
-                  <a:lumMod val="40000"/>
-                  <a:lumOff val="60000"/>
-                </a:schemeClr>
-              </a:solidFill>
-            </a:endParaRPr>
-          </a:p>
-        </p:txBody>
-      </p:sp>
-      <p:sp>
-        <p:nvSpPr>
-          <p:cNvPr id="5" name="Slide Number Placeholder 4"/>
-          <p:cNvSpPr>
-            <a:spLocks noGrp="1"/>
-          </p:cNvSpPr>
-          <p:nvPr>
-            <p:ph type="sldNum" sz="quarter" idx="11"/>
-          </p:nvPr>
-        </p:nvSpPr>
-        <p:spPr/>
-        <p:txBody>
-          <a:bodyPr/>
-          <a:lstStyle/>
-          <a:p>
             <a:fld id="{3EBA5BD7-F043-4D1B-AA17-CD412FC534DE}" type="slidenum">
-              <a:rPr lang="en-US" smtClean="0"/>
-              <a:pPr/>
+              <a:rPr kumimoji="0" lang="en-US" sz="1200" b="0" i="0" u="none" strike="noStrike" kern="1200" cap="none" spc="0" normalizeH="0" baseline="0" noProof="0" smtClean="0">
+                <a:ln>
+                  <a:noFill/>
+                </a:ln>
+                <a:solidFill>
+                  <a:prstClr val="black"/>
+                </a:solidFill>
+                <a:effectLst/>
+                <a:uLnTx/>
+                <a:uFillTx/>
+                <a:latin typeface="Calibri" panose="020F0502020204030204"/>
+                <a:ea typeface="+mn-ea"/>
+                <a:cs typeface="+mn-cs"/>
+              </a:rPr>
+              <a:pPr marL="0" marR="0" lvl="0" indent="0" algn="r" defTabSz="914400" rtl="0" eaLnBrk="1" fontAlgn="auto" latinLnBrk="0" hangingPunct="1">
+                <a:lnSpc>
+                  <a:spcPct val="100000"/>
+                </a:lnSpc>
+                <a:spcBef>
+                  <a:spcPts val="0"/>
+                </a:spcBef>
+                <a:spcAft>
+                  <a:spcPts val="0"/>
+                </a:spcAft>
+                <a:buClrTx/>
+                <a:buSzTx/>
+                <a:buFontTx/>
+                <a:buNone/>
+                <a:tabLst/>
+                <a:defRPr/>
+              </a:pPr>
               <a:t>32</a:t>
             </a:fld>
-            <a:endParaRPr lang="en-US"/>
+            <a:endParaRPr kumimoji="0" lang="en-US" sz="1200" b="0" i="0" u="none" strike="noStrike" kern="1200" cap="none" spc="0" normalizeH="0" baseline="0" noProof="0">
+              <a:ln>
+                <a:noFill/>
+              </a:ln>
+              <a:solidFill>
+                <a:prstClr val="black"/>
+              </a:solidFill>
+              <a:effectLst/>
+              <a:uLnTx/>
+              <a:uFillTx/>
+              <a:latin typeface="Calibri" panose="020F0502020204030204"/>
+              <a:ea typeface="+mn-ea"/>
+              <a:cs typeface="+mn-cs"/>
+            </a:endParaRPr>
           </a:p>
         </p:txBody>
       </p:sp>
@@ -2907,7 +2938,7 @@
           <p:cNvPr id="4" name="Footer Placeholder 7">
             <a:extLst>
               <a:ext uri="{FF2B5EF4-FFF2-40B4-BE49-F238E27FC236}">
-                <a16:creationId xmlns:a16="http://schemas.microsoft.com/office/drawing/2014/main" id="{8531EF5E-F333-8084-9852-989600A90872}"/>
+                <a16:creationId xmlns:a16="http://schemas.microsoft.com/office/drawing/2014/main" id="{2E717519-E3ED-8FE6-94B4-AE683B98098D}"/>
               </a:ext>
             </a:extLst>
           </p:cNvPr>
@@ -2960,7 +2991,7 @@
     </p:spTree>
     <p:extLst>
       <p:ext uri="{BB962C8B-B14F-4D97-AF65-F5344CB8AC3E}">
-        <p14:creationId xmlns:p14="http://schemas.microsoft.com/office/powerpoint/2010/main" val="1836897862"/>
+        <p14:creationId xmlns:p14="http://schemas.microsoft.com/office/powerpoint/2010/main" val="3697243352"/>
       </p:ext>
     </p:extLst>
   </p:cSld>
@@ -3185,99 +3216,146 @@
           <a:bodyPr/>
           <a:lstStyle/>
           <a:p>
-            <a:endParaRPr lang="en-US"/>
+            <a:endParaRPr lang="en-US" dirty="0"/>
           </a:p>
         </p:txBody>
       </p:sp>
       <p:sp>
         <p:nvSpPr>
-          <p:cNvPr id="5" name="Slide Number Placeholder 4"/>
-          <p:cNvSpPr>
-            <a:spLocks noGrp="1"/>
+          <p:cNvPr id="7" name="Slide Number Placeholder 5">
+            <a:extLst>
+              <a:ext uri="{FF2B5EF4-FFF2-40B4-BE49-F238E27FC236}">
+                <a16:creationId xmlns:a16="http://schemas.microsoft.com/office/drawing/2014/main" id="{5049B984-F964-47FF-8179-0A3007CE21CD}"/>
+              </a:ext>
+            </a:extLst>
+          </p:cNvPr>
+          <p:cNvSpPr txBox="1">
+            <a:spLocks/>
           </p:cNvSpPr>
-          <p:nvPr>
-            <p:ph type="sldNum" sz="quarter" idx="11"/>
-          </p:nvPr>
+          <p:nvPr/>
         </p:nvSpPr>
-        <p:spPr/>
+        <p:spPr>
+          <a:xfrm>
+            <a:off x="6488999" y="8847000"/>
+            <a:ext cx="367414" cy="297000"/>
+          </a:xfrm>
+          <a:prstGeom prst="rect">
+            <a:avLst/>
+          </a:prstGeom>
+        </p:spPr>
         <p:txBody>
-          <a:bodyPr/>
-          <a:lstStyle/>
-          <a:p>
-            <a:pPr marL="0" marR="0" lvl="0" indent="0" algn="r" defTabSz="914400" rtl="0" eaLnBrk="1" fontAlgn="auto" latinLnBrk="0" hangingPunct="1">
-              <a:lnSpc>
-                <a:spcPct val="100000"/>
-              </a:lnSpc>
-              <a:spcBef>
-                <a:spcPts val="0"/>
-              </a:spcBef>
-              <a:spcAft>
-                <a:spcPts val="0"/>
-              </a:spcAft>
-              <a:buClrTx/>
-              <a:buSzTx/>
-              <a:buFontTx/>
-              <a:buNone/>
-              <a:tabLst/>
-              <a:defRPr/>
-            </a:pPr>
-            <a:fld id="{3EBA5BD7-F043-4D1B-AA17-CD412FC534DE}" type="slidenum">
-              <a:rPr kumimoji="0" lang="en-US" sz="1200" b="0" i="0" u="none" strike="noStrike" kern="1200" cap="none" spc="0" normalizeH="0" baseline="0" noProof="0" smtClean="0">
-                <a:ln>
-                  <a:noFill/>
-                </a:ln>
-                <a:solidFill>
-                  <a:prstClr val="black"/>
-                </a:solidFill>
-                <a:effectLst/>
-                <a:uLnTx/>
-                <a:uFillTx/>
-                <a:latin typeface="Calibri" panose="020F0502020204030204"/>
+          <a:bodyPr vert="horz" lIns="91440" tIns="45720" rIns="91440" bIns="45720" rtlCol="0" anchor="b"/>
+          <a:lstStyle>
+            <a:defPPr>
+              <a:defRPr lang="en-US"/>
+            </a:defPPr>
+            <a:lvl1pPr marL="0" algn="r" defTabSz="914400" rtl="0" eaLnBrk="1" latinLnBrk="0" hangingPunct="1">
+              <a:defRPr sz="1200" kern="1200">
+                <a:solidFill>
+                  <a:schemeClr val="tx1"/>
+                </a:solidFill>
+                <a:latin typeface="+mn-lt"/>
                 <a:ea typeface="+mn-ea"/>
                 <a:cs typeface="+mn-cs"/>
-              </a:rPr>
-              <a:pPr marL="0" marR="0" lvl="0" indent="0" algn="r" defTabSz="914400" rtl="0" eaLnBrk="1" fontAlgn="auto" latinLnBrk="0" hangingPunct="1">
-                <a:lnSpc>
-                  <a:spcPct val="100000"/>
-                </a:lnSpc>
-                <a:spcBef>
-                  <a:spcPts val="0"/>
-                </a:spcBef>
-                <a:spcAft>
-                  <a:spcPts val="0"/>
-                </a:spcAft>
-                <a:buClrTx/>
-                <a:buSzTx/>
-                <a:buFontTx/>
-                <a:buNone/>
-                <a:tabLst/>
-                <a:defRPr/>
-              </a:pPr>
+              </a:defRPr>
+            </a:lvl1pPr>
+            <a:lvl2pPr marL="457200" algn="l" defTabSz="914400" rtl="0" eaLnBrk="1" latinLnBrk="0" hangingPunct="1">
+              <a:defRPr sz="1800" kern="1200">
+                <a:solidFill>
+                  <a:schemeClr val="tx1"/>
+                </a:solidFill>
+                <a:latin typeface="+mn-lt"/>
+                <a:ea typeface="+mn-ea"/>
+                <a:cs typeface="+mn-cs"/>
+              </a:defRPr>
+            </a:lvl2pPr>
+            <a:lvl3pPr marL="914400" algn="l" defTabSz="914400" rtl="0" eaLnBrk="1" latinLnBrk="0" hangingPunct="1">
+              <a:defRPr sz="1800" kern="1200">
+                <a:solidFill>
+                  <a:schemeClr val="tx1"/>
+                </a:solidFill>
+                <a:latin typeface="+mn-lt"/>
+                <a:ea typeface="+mn-ea"/>
+                <a:cs typeface="+mn-cs"/>
+              </a:defRPr>
+            </a:lvl3pPr>
+            <a:lvl4pPr marL="1371600" algn="l" defTabSz="914400" rtl="0" eaLnBrk="1" latinLnBrk="0" hangingPunct="1">
+              <a:defRPr sz="1800" kern="1200">
+                <a:solidFill>
+                  <a:schemeClr val="tx1"/>
+                </a:solidFill>
+                <a:latin typeface="+mn-lt"/>
+                <a:ea typeface="+mn-ea"/>
+                <a:cs typeface="+mn-cs"/>
+              </a:defRPr>
+            </a:lvl4pPr>
+            <a:lvl5pPr marL="1828800" algn="l" defTabSz="914400" rtl="0" eaLnBrk="1" latinLnBrk="0" hangingPunct="1">
+              <a:defRPr sz="1800" kern="1200">
+                <a:solidFill>
+                  <a:schemeClr val="tx1"/>
+                </a:solidFill>
+                <a:latin typeface="+mn-lt"/>
+                <a:ea typeface="+mn-ea"/>
+                <a:cs typeface="+mn-cs"/>
+              </a:defRPr>
+            </a:lvl5pPr>
+            <a:lvl6pPr marL="2286000" algn="l" defTabSz="914400" rtl="0" eaLnBrk="1" latinLnBrk="0" hangingPunct="1">
+              <a:defRPr sz="1800" kern="1200">
+                <a:solidFill>
+                  <a:schemeClr val="tx1"/>
+                </a:solidFill>
+                <a:latin typeface="+mn-lt"/>
+                <a:ea typeface="+mn-ea"/>
+                <a:cs typeface="+mn-cs"/>
+              </a:defRPr>
+            </a:lvl6pPr>
+            <a:lvl7pPr marL="2743200" algn="l" defTabSz="914400" rtl="0" eaLnBrk="1" latinLnBrk="0" hangingPunct="1">
+              <a:defRPr sz="1800" kern="1200">
+                <a:solidFill>
+                  <a:schemeClr val="tx1"/>
+                </a:solidFill>
+                <a:latin typeface="+mn-lt"/>
+                <a:ea typeface="+mn-ea"/>
+                <a:cs typeface="+mn-cs"/>
+              </a:defRPr>
+            </a:lvl7pPr>
+            <a:lvl8pPr marL="3200400" algn="l" defTabSz="914400" rtl="0" eaLnBrk="1" latinLnBrk="0" hangingPunct="1">
+              <a:defRPr sz="1800" kern="1200">
+                <a:solidFill>
+                  <a:schemeClr val="tx1"/>
+                </a:solidFill>
+                <a:latin typeface="+mn-lt"/>
+                <a:ea typeface="+mn-ea"/>
+                <a:cs typeface="+mn-cs"/>
+              </a:defRPr>
+            </a:lvl8pPr>
+            <a:lvl9pPr marL="3657600" algn="l" defTabSz="914400" rtl="0" eaLnBrk="1" latinLnBrk="0" hangingPunct="1">
+              <a:defRPr sz="1800" kern="1200">
+                <a:solidFill>
+                  <a:schemeClr val="tx1"/>
+                </a:solidFill>
+                <a:latin typeface="+mn-lt"/>
+                <a:ea typeface="+mn-ea"/>
+                <a:cs typeface="+mn-cs"/>
+              </a:defRPr>
+            </a:lvl9pPr>
+          </a:lstStyle>
+          <a:p>
+            <a:fld id="{3EBA5BD7-F043-4D1B-AA17-CD412FC534DE}" type="slidenum">
+              <a:rPr lang="en-US" smtClean="0"/>
+              <a:pPr/>
               <a:t>33</a:t>
             </a:fld>
-            <a:endParaRPr kumimoji="0" lang="en-US" sz="1200" b="0" i="0" u="none" strike="noStrike" kern="1200" cap="none" spc="0" normalizeH="0" baseline="0" noProof="0">
-              <a:ln>
-                <a:noFill/>
-              </a:ln>
-              <a:solidFill>
-                <a:prstClr val="black"/>
-              </a:solidFill>
-              <a:effectLst/>
-              <a:uLnTx/>
-              <a:uFillTx/>
-              <a:latin typeface="Calibri" panose="020F0502020204030204"/>
-              <a:ea typeface="+mn-ea"/>
-              <a:cs typeface="+mn-cs"/>
-            </a:endParaRPr>
+            <a:endParaRPr lang="en-US" dirty="0"/>
           </a:p>
         </p:txBody>
       </p:sp>
       <p:sp>
         <p:nvSpPr>
-          <p:cNvPr id="4" name="Footer Placeholder 7">
+          <p:cNvPr id="5" name="Footer Placeholder 7">
             <a:extLst>
               <a:ext uri="{FF2B5EF4-FFF2-40B4-BE49-F238E27FC236}">
-                <a16:creationId xmlns:a16="http://schemas.microsoft.com/office/drawing/2014/main" id="{2E717519-E3ED-8FE6-94B4-AE683B98098D}"/>
+                <a16:creationId xmlns:a16="http://schemas.microsoft.com/office/drawing/2014/main" id="{B56BBAC9-F332-C6A0-832F-3ACDE4CF0B49}"/>
               </a:ext>
             </a:extLst>
           </p:cNvPr>
@@ -3330,7 +3408,7 @@
     </p:spTree>
     <p:extLst>
       <p:ext uri="{BB962C8B-B14F-4D97-AF65-F5344CB8AC3E}">
-        <p14:creationId xmlns:p14="http://schemas.microsoft.com/office/powerpoint/2010/main" val="3697243352"/>
+        <p14:creationId xmlns:p14="http://schemas.microsoft.com/office/powerpoint/2010/main" val="1322013348"/>
       </p:ext>
     </p:extLst>
   </p:cSld>
@@ -3384,252 +3462,6 @@
           <a:bodyPr/>
           <a:lstStyle/>
           <a:p>
-            <a:endParaRPr lang="en-US" dirty="0"/>
-          </a:p>
-        </p:txBody>
-      </p:sp>
-      <p:sp>
-        <p:nvSpPr>
-          <p:cNvPr id="7" name="Slide Number Placeholder 5">
-            <a:extLst>
-              <a:ext uri="{FF2B5EF4-FFF2-40B4-BE49-F238E27FC236}">
-                <a16:creationId xmlns:a16="http://schemas.microsoft.com/office/drawing/2014/main" id="{5049B984-F964-47FF-8179-0A3007CE21CD}"/>
-              </a:ext>
-            </a:extLst>
-          </p:cNvPr>
-          <p:cNvSpPr txBox="1">
-            <a:spLocks/>
-          </p:cNvSpPr>
-          <p:nvPr/>
-        </p:nvSpPr>
-        <p:spPr>
-          <a:xfrm>
-            <a:off x="6488999" y="8847000"/>
-            <a:ext cx="367414" cy="297000"/>
-          </a:xfrm>
-          <a:prstGeom prst="rect">
-            <a:avLst/>
-          </a:prstGeom>
-        </p:spPr>
-        <p:txBody>
-          <a:bodyPr vert="horz" lIns="91440" tIns="45720" rIns="91440" bIns="45720" rtlCol="0" anchor="b"/>
-          <a:lstStyle>
-            <a:defPPr>
-              <a:defRPr lang="en-US"/>
-            </a:defPPr>
-            <a:lvl1pPr marL="0" algn="r" defTabSz="914400" rtl="0" eaLnBrk="1" latinLnBrk="0" hangingPunct="1">
-              <a:defRPr sz="1200" kern="1200">
-                <a:solidFill>
-                  <a:schemeClr val="tx1"/>
-                </a:solidFill>
-                <a:latin typeface="+mn-lt"/>
-                <a:ea typeface="+mn-ea"/>
-                <a:cs typeface="+mn-cs"/>
-              </a:defRPr>
-            </a:lvl1pPr>
-            <a:lvl2pPr marL="457200" algn="l" defTabSz="914400" rtl="0" eaLnBrk="1" latinLnBrk="0" hangingPunct="1">
-              <a:defRPr sz="1800" kern="1200">
-                <a:solidFill>
-                  <a:schemeClr val="tx1"/>
-                </a:solidFill>
-                <a:latin typeface="+mn-lt"/>
-                <a:ea typeface="+mn-ea"/>
-                <a:cs typeface="+mn-cs"/>
-              </a:defRPr>
-            </a:lvl2pPr>
-            <a:lvl3pPr marL="914400" algn="l" defTabSz="914400" rtl="0" eaLnBrk="1" latinLnBrk="0" hangingPunct="1">
-              <a:defRPr sz="1800" kern="1200">
-                <a:solidFill>
-                  <a:schemeClr val="tx1"/>
-                </a:solidFill>
-                <a:latin typeface="+mn-lt"/>
-                <a:ea typeface="+mn-ea"/>
-                <a:cs typeface="+mn-cs"/>
-              </a:defRPr>
-            </a:lvl3pPr>
-            <a:lvl4pPr marL="1371600" algn="l" defTabSz="914400" rtl="0" eaLnBrk="1" latinLnBrk="0" hangingPunct="1">
-              <a:defRPr sz="1800" kern="1200">
-                <a:solidFill>
-                  <a:schemeClr val="tx1"/>
-                </a:solidFill>
-                <a:latin typeface="+mn-lt"/>
-                <a:ea typeface="+mn-ea"/>
-                <a:cs typeface="+mn-cs"/>
-              </a:defRPr>
-            </a:lvl4pPr>
-            <a:lvl5pPr marL="1828800" algn="l" defTabSz="914400" rtl="0" eaLnBrk="1" latinLnBrk="0" hangingPunct="1">
-              <a:defRPr sz="1800" kern="1200">
-                <a:solidFill>
-                  <a:schemeClr val="tx1"/>
-                </a:solidFill>
-                <a:latin typeface="+mn-lt"/>
-                <a:ea typeface="+mn-ea"/>
-                <a:cs typeface="+mn-cs"/>
-              </a:defRPr>
-            </a:lvl5pPr>
-            <a:lvl6pPr marL="2286000" algn="l" defTabSz="914400" rtl="0" eaLnBrk="1" latinLnBrk="0" hangingPunct="1">
-              <a:defRPr sz="1800" kern="1200">
-                <a:solidFill>
-                  <a:schemeClr val="tx1"/>
-                </a:solidFill>
-                <a:latin typeface="+mn-lt"/>
-                <a:ea typeface="+mn-ea"/>
-                <a:cs typeface="+mn-cs"/>
-              </a:defRPr>
-            </a:lvl6pPr>
-            <a:lvl7pPr marL="2743200" algn="l" defTabSz="914400" rtl="0" eaLnBrk="1" latinLnBrk="0" hangingPunct="1">
-              <a:defRPr sz="1800" kern="1200">
-                <a:solidFill>
-                  <a:schemeClr val="tx1"/>
-                </a:solidFill>
-                <a:latin typeface="+mn-lt"/>
-                <a:ea typeface="+mn-ea"/>
-                <a:cs typeface="+mn-cs"/>
-              </a:defRPr>
-            </a:lvl7pPr>
-            <a:lvl8pPr marL="3200400" algn="l" defTabSz="914400" rtl="0" eaLnBrk="1" latinLnBrk="0" hangingPunct="1">
-              <a:defRPr sz="1800" kern="1200">
-                <a:solidFill>
-                  <a:schemeClr val="tx1"/>
-                </a:solidFill>
-                <a:latin typeface="+mn-lt"/>
-                <a:ea typeface="+mn-ea"/>
-                <a:cs typeface="+mn-cs"/>
-              </a:defRPr>
-            </a:lvl8pPr>
-            <a:lvl9pPr marL="3657600" algn="l" defTabSz="914400" rtl="0" eaLnBrk="1" latinLnBrk="0" hangingPunct="1">
-              <a:defRPr sz="1800" kern="1200">
-                <a:solidFill>
-                  <a:schemeClr val="tx1"/>
-                </a:solidFill>
-                <a:latin typeface="+mn-lt"/>
-                <a:ea typeface="+mn-ea"/>
-                <a:cs typeface="+mn-cs"/>
-              </a:defRPr>
-            </a:lvl9pPr>
-          </a:lstStyle>
-          <a:p>
-            <a:fld id="{3EBA5BD7-F043-4D1B-AA17-CD412FC534DE}" type="slidenum">
-              <a:rPr lang="en-US" smtClean="0"/>
-              <a:pPr/>
-              <a:t>34</a:t>
-            </a:fld>
-            <a:endParaRPr lang="en-US" dirty="0"/>
-          </a:p>
-        </p:txBody>
-      </p:sp>
-      <p:sp>
-        <p:nvSpPr>
-          <p:cNvPr id="5" name="Footer Placeholder 7">
-            <a:extLst>
-              <a:ext uri="{FF2B5EF4-FFF2-40B4-BE49-F238E27FC236}">
-                <a16:creationId xmlns:a16="http://schemas.microsoft.com/office/drawing/2014/main" id="{B56BBAC9-F332-C6A0-832F-3ACDE4CF0B49}"/>
-              </a:ext>
-            </a:extLst>
-          </p:cNvPr>
-          <p:cNvSpPr>
-            <a:spLocks noGrp="1"/>
-          </p:cNvSpPr>
-          <p:nvPr>
-            <p:ph type="ftr" sz="quarter" idx="4"/>
-          </p:nvPr>
-        </p:nvSpPr>
-        <p:spPr>
-          <a:xfrm>
-            <a:off x="-1" y="8892000"/>
-            <a:ext cx="6488999" cy="252000"/>
-          </a:xfrm>
-          <a:prstGeom prst="rect">
-            <a:avLst/>
-          </a:prstGeom>
-        </p:spPr>
-        <p:txBody>
-          <a:bodyPr vert="horz" lIns="91440" tIns="45720" rIns="91440" bIns="45720" rtlCol="0" anchor="b"/>
-          <a:lstStyle>
-            <a:lvl1pPr algn="l">
-              <a:defRPr sz="1100"/>
-            </a:lvl1pPr>
-          </a:lstStyle>
-          <a:p>
-            <a:r>
-              <a:rPr lang="bg-BG" sz="1100" dirty="0"/>
-              <a:t>Работна група </a:t>
-            </a:r>
-            <a:r>
-              <a:rPr lang="bg-BG" dirty="0"/>
-              <a:t>"Образование по програмиране и ИТ"</a:t>
-            </a:r>
-            <a:r>
-              <a:rPr lang="bg-BG" sz="1100" dirty="0"/>
-              <a:t>, с подкрепата на </a:t>
-            </a:r>
-            <a:r>
-              <a:rPr lang="en-US" sz="1100" dirty="0">
-                <a:hlinkClick r:id="rId3"/>
-              </a:rPr>
-              <a:t>SoftUni</a:t>
-            </a:r>
-            <a:endParaRPr lang="en-US" sz="1100" dirty="0"/>
-          </a:p>
-        </p:txBody>
-      </p:sp>
-    </p:spTree>
-    <p:extLst>
-      <p:ext uri="{BB962C8B-B14F-4D97-AF65-F5344CB8AC3E}">
-        <p14:creationId xmlns:p14="http://schemas.microsoft.com/office/powerpoint/2010/main" val="1322013348"/>
-      </p:ext>
-    </p:extLst>
-  </p:cSld>
-  <p:clrMapOvr>
-    <a:masterClrMapping/>
-  </p:clrMapOvr>
-</p:notes>
-</file>
-
-<file path=ppt/notesSlides/notesSlide22.xml><?xml version="1.0" encoding="utf-8"?>
-<p:notes xmlns:a="http://schemas.openxmlformats.org/drawingml/2006/main" xmlns:r="http://schemas.openxmlformats.org/officeDocument/2006/relationships" xmlns:p="http://schemas.openxmlformats.org/presentationml/2006/main">
-  <p:cSld>
-    <p:spTree>
-      <p:nvGrpSpPr>
-        <p:cNvPr id="1" name=""/>
-        <p:cNvGrpSpPr/>
-        <p:nvPr/>
-      </p:nvGrpSpPr>
-      <p:grpSpPr>
-        <a:xfrm>
-          <a:off x="0" y="0"/>
-          <a:ext cx="0" cy="0"/>
-          <a:chOff x="0" y="0"/>
-          <a:chExt cx="0" cy="0"/>
-        </a:xfrm>
-      </p:grpSpPr>
-      <p:sp>
-        <p:nvSpPr>
-          <p:cNvPr id="2" name="Slide Image Placeholder 1"/>
-          <p:cNvSpPr>
-            <a:spLocks noGrp="1" noRot="1" noChangeAspect="1"/>
-          </p:cNvSpPr>
-          <p:nvPr>
-            <p:ph type="sldImg"/>
-          </p:nvPr>
-        </p:nvSpPr>
-        <p:spPr/>
-      </p:sp>
-      <p:sp>
-        <p:nvSpPr>
-          <p:cNvPr id="3" name="Notes Placeholder 2"/>
-          <p:cNvSpPr>
-            <a:spLocks noGrp="1"/>
-          </p:cNvSpPr>
-          <p:nvPr>
-            <p:ph type="body" idx="1"/>
-          </p:nvPr>
-        </p:nvSpPr>
-        <p:spPr/>
-        <p:txBody>
-          <a:bodyPr/>
-          <a:lstStyle/>
-          <a:p>
             <a:endParaRPr lang="en-US"/>
           </a:p>
         </p:txBody>
@@ -3758,7 +3590,7 @@
             <a:fld id="{3EBA5BD7-F043-4D1B-AA17-CD412FC534DE}" type="slidenum">
               <a:rPr lang="en-US" smtClean="0"/>
               <a:pPr/>
-              <a:t>35</a:t>
+              <a:t>34</a:t>
             </a:fld>
             <a:endParaRPr lang="en-US" dirty="0"/>
           </a:p>
@@ -10934,6 +10766,8 @@
                     <a:lumOff val="40000"/>
                   </a:schemeClr>
                 </a:solidFill>
+                <a:latin typeface="Consolas" panose="020B0609020204030204" pitchFamily="49" charset="0"/>
+                <a:cs typeface="Consolas" panose="020B0609020204030204" pitchFamily="49" charset="0"/>
               </a:rPr>
               <a:t>Mammal</a:t>
             </a:r>
@@ -10969,6 +10803,8 @@
                     <a:lumOff val="40000"/>
                   </a:schemeClr>
                 </a:solidFill>
+                <a:latin typeface="Consolas" panose="020B0609020204030204" pitchFamily="49" charset="0"/>
+                <a:cs typeface="Consolas" panose="020B0609020204030204" pitchFamily="49" charset="0"/>
               </a:rPr>
               <a:t>Person</a:t>
             </a:r>
@@ -10979,6 +10815,8 @@
                   <a:lumOff val="40000"/>
                 </a:schemeClr>
               </a:solidFill>
+              <a:latin typeface="Consolas" panose="020B0609020204030204" pitchFamily="49" charset="0"/>
+              <a:cs typeface="Consolas" panose="020B0609020204030204" pitchFamily="49" charset="0"/>
             </a:endParaRPr>
           </a:p>
         </p:txBody>
@@ -11510,7 +11348,7 @@
         </p:nvSpPr>
         <p:spPr>
           <a:xfrm>
-            <a:off x="6096000" y="1195931"/>
+            <a:off x="258851" y="1224000"/>
             <a:ext cx="5905597" cy="4957073"/>
           </a:xfrm>
         </p:spPr>
@@ -11555,7 +11393,12 @@
             <p:ph type="body" sz="quarter" idx="10"/>
           </p:nvPr>
         </p:nvSpPr>
-        <p:spPr/>
+        <p:spPr>
+          <a:xfrm>
+            <a:off x="6482181" y="1238173"/>
+            <a:ext cx="5545598" cy="4957073"/>
+          </a:xfrm>
+        </p:spPr>
         <p:txBody>
           <a:bodyPr/>
           <a:lstStyle/>
@@ -11626,7 +11469,7 @@
         </p:nvSpPr>
         <p:spPr bwMode="auto">
           <a:xfrm>
-            <a:off x="247148" y="1917329"/>
+            <a:off x="6321000" y="1890237"/>
             <a:ext cx="5717788" cy="3131671"/>
           </a:xfrm>
           <a:prstGeom prst="rect">
@@ -11810,7 +11653,7 @@
         </p:nvSpPr>
         <p:spPr bwMode="auto">
           <a:xfrm>
-            <a:off x="6040403" y="1917328"/>
+            <a:off x="201000" y="1899000"/>
             <a:ext cx="5995597" cy="3131671"/>
           </a:xfrm>
           <a:prstGeom prst="rect">
@@ -11889,7 +11732,24 @@
                 <a:latin typeface="Consolas" pitchFamily="49" charset="0"/>
                 <a:cs typeface="Consolas" pitchFamily="49" charset="0"/>
               </a:rPr>
-              <a:t>  int Sum(int</a:t>
+              <a:t>  </a:t>
+            </a:r>
+            <a:r>
+              <a:rPr lang="en-US" sz="2600" b="1" noProof="1">
+                <a:solidFill>
+                  <a:schemeClr val="bg1"/>
+                </a:solidFill>
+                <a:latin typeface="Consolas" pitchFamily="49" charset="0"/>
+                <a:cs typeface="Consolas" pitchFamily="49" charset="0"/>
+              </a:rPr>
+              <a:t>int</a:t>
+            </a:r>
+            <a:r>
+              <a:rPr lang="en-US" sz="2600" b="1" noProof="1">
+                <a:latin typeface="Consolas" pitchFamily="49" charset="0"/>
+                <a:cs typeface="Consolas" pitchFamily="49" charset="0"/>
+              </a:rPr>
+              <a:t> Sum(int</a:t>
             </a:r>
             <a:r>
               <a:rPr lang="en-US" sz="2000" b="1" noProof="1">
@@ -11978,7 +11838,24 @@
                 <a:latin typeface="Consolas" pitchFamily="49" charset="0"/>
                 <a:cs typeface="Consolas" pitchFamily="49" charset="0"/>
               </a:rPr>
-              <a:t>  double Sum(Double</a:t>
+              <a:t>  </a:t>
+            </a:r>
+            <a:r>
+              <a:rPr lang="en-US" sz="2600" b="1" noProof="1">
+                <a:solidFill>
+                  <a:schemeClr val="bg1"/>
+                </a:solidFill>
+                <a:latin typeface="Consolas" pitchFamily="49" charset="0"/>
+                <a:cs typeface="Consolas" pitchFamily="49" charset="0"/>
+              </a:rPr>
+              <a:t>double</a:t>
+            </a:r>
+            <a:r>
+              <a:rPr lang="en-US" sz="2600" b="1" noProof="1">
+                <a:latin typeface="Consolas" pitchFamily="49" charset="0"/>
+                <a:cs typeface="Consolas" pitchFamily="49" charset="0"/>
+              </a:rPr>
+              <a:t> Sum(double</a:t>
             </a:r>
             <a:r>
               <a:rPr lang="en-US" sz="2000" b="1" noProof="1">
@@ -12006,7 +11883,7 @@
                 <a:latin typeface="Consolas" pitchFamily="49" charset="0"/>
                 <a:cs typeface="Consolas" pitchFamily="49" charset="0"/>
               </a:rPr>
-              <a:t>Double</a:t>
+              <a:t>double</a:t>
             </a:r>
             <a:r>
               <a:rPr lang="en-US" sz="2000" b="1" noProof="1">
@@ -12242,7 +12119,7 @@
                                           </p:stCondLst>
                                         </p:cTn>
                                         <p:tgtEl>
-                                          <p:spTgt spid="4">
+                                          <p:spTgt spid="3">
                                             <p:txEl>
                                               <p:pRg st="0" end="0"/>
                                             </p:txEl>
@@ -12273,7 +12150,7 @@
                                           </p:stCondLst>
                                         </p:cTn>
                                         <p:tgtEl>
-                                          <p:spTgt spid="7"/>
+                                          <p:spTgt spid="6"/>
                                         </p:tgtEl>
                                         <p:attrNameLst>
                                           <p:attrName>style.visibility</p:attrName>
@@ -12314,8 +12191,8 @@
       </p:par>
     </p:tnLst>
     <p:bldLst>
-      <p:bldP spid="4" grpId="0" build="p"/>
-      <p:bldP spid="7" grpId="0" animBg="1"/>
+      <p:bldP spid="3" grpId="0" build="p"/>
+      <p:bldP spid="6" grpId="0" animBg="1"/>
     </p:bldLst>
   </p:timing>
 </p:sld>
@@ -17388,12 +17265,16 @@
               <a:buAutoNum type="arabicPeriod"/>
             </a:pPr>
             <a:r>
+              <a:rPr lang="en-US" dirty="0"/>
+              <a:t>͏</a:t>
+            </a:r>
+            <a:r>
               <a:rPr lang="bg-BG" b="1" dirty="0"/>
               <a:t>Полиморфизъм</a:t>
             </a:r>
             <a:r>
               <a:rPr lang="bg-BG" dirty="0"/>
-              <a:t> в ООП: третиране на обекти от производен клас като обекти от базов клас</a:t>
+              <a:t> в ООП</a:t>
             </a:r>
           </a:p>
           <a:p>
@@ -17425,14 +17306,7 @@
               <a:rPr lang="en-US" b="1" dirty="0"/>
               <a:t>as</a:t>
             </a:r>
-            <a:r>
-              <a:rPr lang="en-US" dirty="0"/>
-              <a:t> (</a:t>
-            </a:r>
-            <a:r>
-              <a:rPr lang="bg-BG" dirty="0"/>
-              <a:t>проверка и смяна на тип)</a:t>
-            </a:r>
+            <a:endParaRPr lang="bg-BG" dirty="0"/>
           </a:p>
           <a:p>
             <a:pPr marL="514350" indent="-514350">
@@ -17876,7 +17750,7 @@
               </a:buClr>
             </a:pPr>
             <a:r>
-              <a:rPr lang="bg-BG" b="1">
+              <a:rPr lang="bg-BG" b="1" dirty="0">
                 <a:solidFill>
                   <a:schemeClr val="bg1"/>
                 </a:solidFill>
@@ -17884,7 +17758,7 @@
               <a:t>Различен</a:t>
             </a:r>
             <a:r>
-              <a:rPr lang="en-US" b="1">
+              <a:rPr lang="en-US" b="1" dirty="0">
                 <a:solidFill>
                   <a:schemeClr val="bg1"/>
                 </a:solidFill>
@@ -17892,7 +17766,7 @@
               <a:t> </a:t>
             </a:r>
             <a:r>
-              <a:rPr lang="bg-BG" b="1">
+              <a:rPr lang="bg-BG" b="1" dirty="0">
                 <a:solidFill>
                   <a:schemeClr val="bg1"/>
                 </a:solidFill>
@@ -17900,7 +17774,7 @@
               <a:t>ред</a:t>
             </a:r>
             <a:r>
-              <a:rPr lang="en-US" b="1">
+              <a:rPr lang="en-US" b="1" dirty="0">
                 <a:solidFill>
                   <a:schemeClr val="bg1"/>
                 </a:solidFill>
@@ -17908,13 +17782,13 @@
               <a:t> </a:t>
             </a:r>
             <a:r>
-              <a:rPr lang="bg-BG"/>
+              <a:rPr lang="bg-BG" dirty="0"/>
               <a:t>на аргументите</a:t>
             </a:r>
-            <a:endParaRPr lang="en-US"/>
-          </a:p>
-          <a:p>
-            <a:endParaRPr lang="en-US"/>
+            <a:endParaRPr lang="en-US" dirty="0"/>
+          </a:p>
+          <a:p>
+            <a:endParaRPr lang="en-US" dirty="0"/>
           </a:p>
         </p:txBody>
       </p:sp>
@@ -18021,7 +17895,7 @@
                   <a:schemeClr val="tx1"/>
                 </a:solidFill>
               </a:rPr>
-              <a:t>string Identity(string </a:t>
+              <a:t>public string Identity(string </a:t>
             </a:r>
             <a:r>
               <a:rPr lang="en-US" sz="2500" noProof="1"/>
@@ -18065,7 +17939,7 @@
                   <a:schemeClr val="tx1"/>
                 </a:solidFill>
               </a:rPr>
-              <a:t>string Identity(int </a:t>
+              <a:t>public string Identity(int </a:t>
             </a:r>
             <a:r>
               <a:rPr lang="en-US" sz="2500" noProof="1"/>
@@ -19926,8 +19800,8 @@
         </p:nvSpPr>
         <p:spPr bwMode="auto">
           <a:xfrm>
-            <a:off x="335375" y="3069000"/>
-            <a:ext cx="5724050" cy="3018820"/>
+            <a:off x="291000" y="3069000"/>
+            <a:ext cx="5768425" cy="2695654"/>
           </a:xfrm>
           <a:prstGeom prst="rect">
             <a:avLst/>
@@ -19957,7 +19831,7 @@
               <a:buNone/>
             </a:pPr>
             <a:r>
-              <a:rPr lang="en-US" sz="2600" b="1" noProof="1">
+              <a:rPr lang="en-US" sz="2300" b="1" noProof="1">
                 <a:latin typeface="Consolas" pitchFamily="49" charset="0"/>
                 <a:cs typeface="Consolas" pitchFamily="49" charset="0"/>
               </a:rPr>
@@ -19970,7 +19844,7 @@
               <a:buNone/>
             </a:pPr>
             <a:r>
-              <a:rPr lang="en-US" sz="2600" b="1" noProof="1">
+              <a:rPr lang="en-US" sz="2300" b="1" noProof="1">
                 <a:latin typeface="Consolas" pitchFamily="49" charset="0"/>
                 <a:cs typeface="Consolas" pitchFamily="49" charset="0"/>
               </a:rPr>
@@ -19983,14 +19857,14 @@
               <a:buNone/>
             </a:pPr>
             <a:r>
-              <a:rPr lang="en-US" sz="2600" b="1" noProof="1">
+              <a:rPr lang="en-US" sz="2300" b="1" noProof="1">
                 <a:latin typeface="Consolas" pitchFamily="49" charset="0"/>
                 <a:cs typeface="Consolas" pitchFamily="49" charset="0"/>
               </a:rPr>
               <a:t>  public </a:t>
             </a:r>
             <a:r>
-              <a:rPr lang="en-US" sz="2600" b="1" noProof="1">
+              <a:rPr lang="en-US" sz="2300" b="1" noProof="1">
                 <a:solidFill>
                   <a:schemeClr val="bg1"/>
                 </a:solidFill>
@@ -20000,11 +19874,11 @@
               <a:t>virtual</a:t>
             </a:r>
             <a:r>
-              <a:rPr lang="en-US" sz="2600" b="1" noProof="1">
+              <a:rPr lang="en-US" sz="2300" b="1" noProof="1">
                 <a:latin typeface="Consolas" pitchFamily="49" charset="0"/>
                 <a:cs typeface="Consolas" pitchFamily="49" charset="0"/>
               </a:rPr>
-              <a:t> double Area() </a:t>
+              <a:t> double CalcArea() </a:t>
             </a:r>
           </a:p>
           <a:p>
@@ -20013,7 +19887,7 @@
               <a:buNone/>
             </a:pPr>
             <a:r>
-              <a:rPr lang="en-US" sz="2600" b="1" noProof="1">
+              <a:rPr lang="en-US" sz="2300" b="1" noProof="1">
                 <a:latin typeface="Consolas" pitchFamily="49" charset="0"/>
                 <a:cs typeface="Consolas" pitchFamily="49" charset="0"/>
               </a:rPr>
@@ -20026,14 +19900,14 @@
               <a:buNone/>
             </a:pPr>
             <a:r>
-              <a:rPr lang="en-US" sz="2600" b="1" noProof="1">
+              <a:rPr lang="en-US" sz="2300" b="1" noProof="1">
                 <a:latin typeface="Consolas" pitchFamily="49" charset="0"/>
                 <a:cs typeface="Consolas" pitchFamily="49" charset="0"/>
               </a:rPr>
               <a:t>    return this.</a:t>
             </a:r>
             <a:r>
-              <a:rPr lang="en-US" sz="2600" b="1" noProof="1">
+              <a:rPr lang="en-US" sz="2300" b="1" noProof="1">
                 <a:solidFill>
                   <a:schemeClr val="bg1"/>
                 </a:solidFill>
@@ -20043,14 +19917,14 @@
               <a:t>a</a:t>
             </a:r>
             <a:r>
-              <a:rPr lang="en-US" sz="2600" b="1" noProof="1">
+              <a:rPr lang="en-US" sz="2300" b="1" noProof="1">
                 <a:latin typeface="Consolas" pitchFamily="49" charset="0"/>
                 <a:cs typeface="Consolas" pitchFamily="49" charset="0"/>
               </a:rPr>
               <a:t> * this.</a:t>
             </a:r>
             <a:r>
-              <a:rPr lang="en-US" sz="2600" b="1" noProof="1">
+              <a:rPr lang="en-US" sz="2300" b="1" noProof="1">
                 <a:solidFill>
                   <a:schemeClr val="bg1"/>
                 </a:solidFill>
@@ -20060,7 +19934,7 @@
               <a:t>b</a:t>
             </a:r>
             <a:r>
-              <a:rPr lang="en-US" sz="2600" b="1" noProof="1">
+              <a:rPr lang="en-US" sz="2300" b="1" noProof="1">
                 <a:latin typeface="Consolas" pitchFamily="49" charset="0"/>
                 <a:cs typeface="Consolas" pitchFamily="49" charset="0"/>
               </a:rPr>
@@ -20073,7 +19947,7 @@
               <a:buNone/>
             </a:pPr>
             <a:r>
-              <a:rPr lang="en-US" sz="2600" b="1" noProof="1">
+              <a:rPr lang="en-US" sz="2300" b="1" noProof="1">
                 <a:latin typeface="Consolas" pitchFamily="49" charset="0"/>
                 <a:cs typeface="Consolas" pitchFamily="49" charset="0"/>
               </a:rPr>
@@ -20086,7 +19960,7 @@
               <a:buNone/>
             </a:pPr>
             <a:r>
-              <a:rPr lang="en-US" sz="2600" b="1" noProof="1">
+              <a:rPr lang="en-US" sz="2300" b="1" noProof="1">
                 <a:latin typeface="Consolas" pitchFamily="49" charset="0"/>
                 <a:cs typeface="Consolas" pitchFamily="49" charset="0"/>
               </a:rPr>
@@ -20106,7 +19980,7 @@
         <p:spPr bwMode="auto">
           <a:xfrm>
             <a:off x="6059426" y="3069000"/>
-            <a:ext cx="5940000" cy="3018820"/>
+            <a:ext cx="5940000" cy="2695654"/>
           </a:xfrm>
           <a:prstGeom prst="rect">
             <a:avLst/>
@@ -20136,7 +20010,7 @@
               <a:buNone/>
             </a:pPr>
             <a:r>
-              <a:rPr lang="en-US" sz="2600" b="1" noProof="1">
+              <a:rPr lang="en-US" sz="2300" b="1" noProof="1">
                 <a:latin typeface="Consolas" pitchFamily="49" charset="0"/>
                 <a:cs typeface="Consolas" pitchFamily="49" charset="0"/>
               </a:rPr>
@@ -20149,7 +20023,7 @@
               <a:buNone/>
             </a:pPr>
             <a:r>
-              <a:rPr lang="en-US" sz="2600" b="1" noProof="1">
+              <a:rPr lang="en-US" sz="2300" b="1" noProof="1">
                 <a:latin typeface="Consolas" pitchFamily="49" charset="0"/>
                 <a:cs typeface="Consolas" pitchFamily="49" charset="0"/>
               </a:rPr>
@@ -20162,14 +20036,14 @@
               <a:buNone/>
             </a:pPr>
             <a:r>
-              <a:rPr lang="en-US" sz="2600" b="1" noProof="1">
+              <a:rPr lang="en-US" sz="2300" b="1" noProof="1">
                 <a:latin typeface="Consolas" pitchFamily="49" charset="0"/>
                 <a:cs typeface="Consolas" pitchFamily="49" charset="0"/>
               </a:rPr>
               <a:t>  public </a:t>
             </a:r>
             <a:r>
-              <a:rPr lang="en-US" sz="2600" b="1" noProof="1">
+              <a:rPr lang="en-US" sz="2300" b="1" noProof="1">
                 <a:solidFill>
                   <a:schemeClr val="bg1"/>
                 </a:solidFill>
@@ -20179,11 +20053,11 @@
               <a:t>override</a:t>
             </a:r>
             <a:r>
-              <a:rPr lang="en-US" sz="2600" b="1" noProof="1">
+              <a:rPr lang="en-US" sz="2300" b="1" noProof="1">
                 <a:latin typeface="Consolas" pitchFamily="49" charset="0"/>
                 <a:cs typeface="Consolas" pitchFamily="49" charset="0"/>
               </a:rPr>
-              <a:t> double Area() </a:t>
+              <a:t> double CalcArea() </a:t>
             </a:r>
           </a:p>
           <a:p>
@@ -20192,27 +20066,27 @@
               <a:buNone/>
             </a:pPr>
             <a:r>
-              <a:rPr lang="en-US" sz="2600" b="1" noProof="1">
+              <a:rPr lang="en-US" sz="2300" b="1" noProof="1">
                 <a:latin typeface="Consolas" pitchFamily="49" charset="0"/>
                 <a:cs typeface="Consolas" pitchFamily="49" charset="0"/>
               </a:rPr>
               <a:t>  {</a:t>
             </a:r>
             <a:br>
-              <a:rPr lang="en-US" sz="2600" b="1" noProof="1">
+              <a:rPr lang="en-US" sz="2300" b="1" noProof="1">
                 <a:latin typeface="Consolas" pitchFamily="49" charset="0"/>
                 <a:cs typeface="Consolas" pitchFamily="49" charset="0"/>
               </a:rPr>
             </a:br>
             <a:r>
-              <a:rPr lang="en-US" sz="2600" b="1" noProof="1">
+              <a:rPr lang="en-US" sz="2300" b="1" noProof="1">
                 <a:latin typeface="Consolas" pitchFamily="49" charset="0"/>
                 <a:cs typeface="Consolas" pitchFamily="49" charset="0"/>
               </a:rPr>
               <a:t>    return this.</a:t>
             </a:r>
             <a:r>
-              <a:rPr lang="en-US" sz="2600" b="1" noProof="1">
+              <a:rPr lang="en-US" sz="2300" b="1" noProof="1">
                 <a:solidFill>
                   <a:schemeClr val="bg1"/>
                 </a:solidFill>
@@ -20222,14 +20096,14 @@
               <a:t>a</a:t>
             </a:r>
             <a:r>
-              <a:rPr lang="en-US" sz="2600" b="1" noProof="1">
+              <a:rPr lang="en-US" sz="2300" b="1" noProof="1">
                 <a:latin typeface="Consolas" pitchFamily="49" charset="0"/>
                 <a:cs typeface="Consolas" pitchFamily="49" charset="0"/>
               </a:rPr>
               <a:t> * this.</a:t>
             </a:r>
             <a:r>
-              <a:rPr lang="en-US" sz="2600" b="1" noProof="1">
+              <a:rPr lang="en-US" sz="2300" b="1" noProof="1">
                 <a:solidFill>
                   <a:schemeClr val="bg1"/>
                 </a:solidFill>
@@ -20239,7 +20113,7 @@
               <a:t>a</a:t>
             </a:r>
             <a:r>
-              <a:rPr lang="en-US" sz="2600" b="1" noProof="1">
+              <a:rPr lang="en-US" sz="2300" b="1" noProof="1">
                 <a:latin typeface="Consolas" pitchFamily="49" charset="0"/>
                 <a:cs typeface="Consolas" pitchFamily="49" charset="0"/>
               </a:rPr>
@@ -20252,7 +20126,7 @@
               <a:buNone/>
             </a:pPr>
             <a:r>
-              <a:rPr lang="en-US" sz="2600" b="1" noProof="1">
+              <a:rPr lang="en-US" sz="2300" b="1" noProof="1">
                 <a:latin typeface="Consolas" pitchFamily="49" charset="0"/>
                 <a:cs typeface="Consolas" pitchFamily="49" charset="0"/>
               </a:rPr>
@@ -20265,7 +20139,7 @@
               <a:buNone/>
             </a:pPr>
             <a:r>
-              <a:rPr lang="en-US" sz="2600" b="1" noProof="1">
+              <a:rPr lang="en-US" sz="2300" b="1" noProof="1">
                 <a:latin typeface="Consolas" pitchFamily="49" charset="0"/>
                 <a:cs typeface="Consolas" pitchFamily="49" charset="0"/>
               </a:rPr>
@@ -20927,7 +20801,7 @@
                 <a:latin typeface="Consolas" pitchFamily="49" charset="0"/>
                 <a:cs typeface="Consolas" pitchFamily="49" charset="0"/>
               </a:rPr>
-              <a:t>  Console.WriteLine(rect.Area());</a:t>
+              <a:t>  Console.WriteLine(rect.CalcArea());</a:t>
             </a:r>
           </a:p>
           <a:p>
@@ -20940,7 +20814,7 @@
                 <a:latin typeface="Consolas" pitchFamily="49" charset="0"/>
                 <a:cs typeface="Consolas" pitchFamily="49" charset="0"/>
               </a:rPr>
-              <a:t>  Console.WriteLine(square.Area());</a:t>
+              <a:t>  Console.WriteLine(square.CalcArea());</a:t>
             </a:r>
           </a:p>
           <a:p>
@@ -20969,12 +20843,12 @@
         <p:spPr bwMode="auto">
           <a:xfrm>
             <a:off x="6996000" y="5399770"/>
-            <a:ext cx="2215664" cy="954230"/>
+            <a:ext cx="3105000" cy="954230"/>
           </a:xfrm>
           <a:prstGeom prst="wedgeRoundRectCallout">
             <a:avLst>
-              <a:gd name="adj1" fmla="val -63318"/>
-              <a:gd name="adj2" fmla="val -49260"/>
+              <a:gd name="adj1" fmla="val -64046"/>
+              <a:gd name="adj2" fmla="val -63457"/>
               <a:gd name="adj3" fmla="val 16667"/>
             </a:avLst>
           </a:prstGeom>
@@ -21024,7 +20898,7 @@
                   <a:schemeClr val="bg2"/>
                 </a:solidFill>
               </a:rPr>
-              <a:t>Презаписване на метода</a:t>
+              <a:t>Извиква се презаписания  метод</a:t>
             </a:r>
           </a:p>
         </p:txBody>
@@ -27654,1249 +27528,6 @@
       </p:grpSpPr>
       <p:sp>
         <p:nvSpPr>
-          <p:cNvPr id="5" name="Text Placeholder 4"/>
-          <p:cNvSpPr>
-            <a:spLocks noGrp="1"/>
-          </p:cNvSpPr>
-          <p:nvPr>
-            <p:ph type="body" sz="quarter" idx="10"/>
-          </p:nvPr>
-        </p:nvSpPr>
-        <p:spPr>
-          <a:xfrm>
-            <a:off x="190402" y="1196125"/>
-            <a:ext cx="11818096" cy="1105936"/>
-          </a:xfrm>
-        </p:spPr>
-        <p:txBody>
-          <a:bodyPr>
-            <a:normAutofit lnSpcReduction="10000"/>
-          </a:bodyPr>
-          <a:lstStyle/>
-          <a:p>
-            <a:pPr>
-              <a:lnSpc>
-                <a:spcPct val="100000"/>
-              </a:lnSpc>
-              <a:spcBef>
-                <a:spcPts val="0"/>
-              </a:spcBef>
-              <a:spcAft>
-                <a:spcPts val="0"/>
-              </a:spcAft>
-              <a:buClr>
-                <a:schemeClr val="tx1"/>
-              </a:buClr>
-            </a:pPr>
-            <a:r>
-              <a:rPr lang="bg-BG" sz="3200"/>
-              <a:t>Производен клас </a:t>
-            </a:r>
-            <a:r>
-              <a:rPr lang="bg-BG" sz="3200" b="1">
-                <a:solidFill>
-                  <a:schemeClr val="bg1"/>
-                </a:solidFill>
-              </a:rPr>
-              <a:t>може да спре</a:t>
-            </a:r>
-            <a:r>
-              <a:rPr lang="en-US" sz="3200"/>
-              <a:t> </a:t>
-            </a:r>
-            <a:r>
-              <a:rPr lang="bg-BG" sz="3200" b="1">
-                <a:solidFill>
-                  <a:schemeClr val="bg1"/>
-                </a:solidFill>
-              </a:rPr>
-              <a:t>виртуалното</a:t>
-            </a:r>
-            <a:r>
-              <a:rPr lang="en-US" sz="3200"/>
-              <a:t> </a:t>
-            </a:r>
-            <a:r>
-              <a:rPr lang="bg-BG" sz="3200" b="1">
-                <a:solidFill>
-                  <a:schemeClr val="bg1"/>
-                </a:solidFill>
-              </a:rPr>
-              <a:t>наследяване </a:t>
-            </a:r>
-            <a:r>
-              <a:rPr lang="bg-BG" sz="3200"/>
-              <a:t>като декларира </a:t>
-            </a:r>
-            <a:r>
-              <a:rPr lang="en-US" sz="3200"/>
-              <a:t>override </a:t>
-            </a:r>
-            <a:r>
-              <a:rPr lang="bg-BG" sz="3200"/>
-              <a:t>като</a:t>
-            </a:r>
-            <a:r>
-              <a:rPr lang="en-US" sz="3200"/>
-              <a:t> </a:t>
-            </a:r>
-            <a:r>
-              <a:rPr lang="en-US" sz="3200" b="1">
-                <a:solidFill>
-                  <a:schemeClr val="bg1"/>
-                </a:solidFill>
-                <a:latin typeface="Consolas" panose="020B0609020204030204" pitchFamily="49" charset="0"/>
-              </a:rPr>
-              <a:t>sealed</a:t>
-            </a:r>
-            <a:r>
-              <a:rPr lang="bg-BG" sz="3200" b="1">
-                <a:solidFill>
-                  <a:schemeClr val="bg1"/>
-                </a:solidFill>
-                <a:latin typeface="Consolas" panose="020B0609020204030204" pitchFamily="49" charset="0"/>
-              </a:rPr>
-              <a:t> </a:t>
-            </a:r>
-            <a:r>
-              <a:rPr lang="bg-BG" sz="3600"/>
-              <a:t>(„запечатан“)</a:t>
-            </a:r>
-            <a:endParaRPr lang="en-US"/>
-          </a:p>
-        </p:txBody>
-      </p:sp>
-      <p:sp>
-        <p:nvSpPr>
-          <p:cNvPr id="4" name="Title 3"/>
-          <p:cNvSpPr>
-            <a:spLocks noGrp="1"/>
-          </p:cNvSpPr>
-          <p:nvPr>
-            <p:ph type="title"/>
-          </p:nvPr>
-        </p:nvSpPr>
-        <p:spPr/>
-        <p:txBody>
-          <a:bodyPr>
-            <a:noAutofit/>
-          </a:bodyPr>
-          <a:lstStyle/>
-          <a:p>
-            <a:r>
-              <a:rPr lang="ru-RU" sz="4000" noProof="1"/>
-              <a:t>Правила за презаписване на метод (3)</a:t>
-            </a:r>
-            <a:endParaRPr lang="en-US" sz="4000" dirty="0"/>
-          </a:p>
-        </p:txBody>
-      </p:sp>
-      <p:sp>
-        <p:nvSpPr>
-          <p:cNvPr id="6" name="Rectangle 5"/>
-          <p:cNvSpPr>
-            <a:spLocks noChangeArrowheads="1"/>
-          </p:cNvSpPr>
-          <p:nvPr/>
-        </p:nvSpPr>
-        <p:spPr bwMode="auto">
-          <a:xfrm>
-            <a:off x="426000" y="2259000"/>
-            <a:ext cx="7425000" cy="1686147"/>
-          </a:xfrm>
-          <a:prstGeom prst="rect">
-            <a:avLst/>
-          </a:prstGeom>
-          <a:solidFill>
-            <a:schemeClr val="accent6">
-              <a:lumMod val="75000"/>
-              <a:alpha val="15000"/>
-            </a:schemeClr>
-          </a:solidFill>
-          <a:ln w="12700">
-            <a:solidFill>
-              <a:schemeClr val="tx1">
-                <a:lumMod val="50000"/>
-              </a:schemeClr>
-            </a:solidFill>
-          </a:ln>
-        </p:spPr>
-        <p:txBody>
-          <a:bodyPr vert="horz" wrap="square" lIns="143963" tIns="107972" rIns="143963" bIns="107972" rtlCol="0">
-            <a:spAutoFit/>
-          </a:bodyPr>
-          <a:lstStyle/>
-          <a:p>
-            <a:pPr defTabSz="1218438" latinLnBrk="1">
-              <a:lnSpc>
-                <a:spcPct val="90000"/>
-              </a:lnSpc>
-              <a:buFont typeface="Wingdings" panose="05000000000000000000" pitchFamily="2" charset="2"/>
-              <a:buNone/>
-            </a:pPr>
-            <a:r>
-              <a:rPr lang="en-US" sz="2600" b="1" noProof="1">
-                <a:latin typeface="Consolas" pitchFamily="49" charset="0"/>
-                <a:cs typeface="Consolas" pitchFamily="49" charset="0"/>
-              </a:rPr>
-              <a:t>class</a:t>
-            </a:r>
-            <a:r>
-              <a:rPr lang="en-US" sz="2000" b="1" noProof="1">
-                <a:latin typeface="Consolas" pitchFamily="49" charset="0"/>
-                <a:cs typeface="Consolas" pitchFamily="49" charset="0"/>
-              </a:rPr>
-              <a:t> </a:t>
-            </a:r>
-            <a:r>
-              <a:rPr lang="en-US" sz="2600" b="1" noProof="1">
-                <a:latin typeface="Consolas" pitchFamily="49" charset="0"/>
-                <a:cs typeface="Consolas" pitchFamily="49" charset="0"/>
-              </a:rPr>
-              <a:t>Penguin</a:t>
-            </a:r>
-            <a:r>
-              <a:rPr lang="en-US" sz="2800" b="1" noProof="1">
-                <a:latin typeface="Consolas" pitchFamily="49" charset="0"/>
-                <a:cs typeface="Consolas" pitchFamily="49" charset="0"/>
-              </a:rPr>
-              <a:t> </a:t>
-            </a:r>
-            <a:r>
-              <a:rPr lang="en-US" sz="2600" b="1" noProof="1">
-                <a:latin typeface="Consolas" pitchFamily="49" charset="0"/>
-                <a:cs typeface="Consolas" pitchFamily="49" charset="0"/>
-              </a:rPr>
-              <a:t>:</a:t>
-            </a:r>
-            <a:r>
-              <a:rPr lang="en-US" sz="2800" b="1" noProof="1">
-                <a:latin typeface="Consolas" pitchFamily="49" charset="0"/>
-                <a:cs typeface="Consolas" pitchFamily="49" charset="0"/>
-              </a:rPr>
-              <a:t> </a:t>
-            </a:r>
-            <a:r>
-              <a:rPr lang="en-US" sz="2600" b="1" noProof="1">
-                <a:latin typeface="Consolas" pitchFamily="49" charset="0"/>
-                <a:cs typeface="Consolas" pitchFamily="49" charset="0"/>
-              </a:rPr>
-              <a:t>Bird</a:t>
-            </a:r>
-          </a:p>
-          <a:p>
-            <a:pPr defTabSz="1218438" latinLnBrk="1">
-              <a:lnSpc>
-                <a:spcPct val="90000"/>
-              </a:lnSpc>
-              <a:buFont typeface="Wingdings" panose="05000000000000000000" pitchFamily="2" charset="2"/>
-              <a:buNone/>
-            </a:pPr>
-            <a:r>
-              <a:rPr lang="en-US" sz="2600" b="1" noProof="1">
-                <a:latin typeface="Consolas" pitchFamily="49" charset="0"/>
-                <a:cs typeface="Consolas" pitchFamily="49" charset="0"/>
-              </a:rPr>
-              <a:t>{</a:t>
-            </a:r>
-          </a:p>
-          <a:p>
-            <a:pPr defTabSz="1218438" latinLnBrk="1">
-              <a:lnSpc>
-                <a:spcPct val="90000"/>
-              </a:lnSpc>
-              <a:buFont typeface="Wingdings" panose="05000000000000000000" pitchFamily="2" charset="2"/>
-              <a:buNone/>
-            </a:pPr>
-            <a:r>
-              <a:rPr lang="en-US" sz="2600" b="1" noProof="1">
-                <a:latin typeface="Consolas" pitchFamily="49" charset="0"/>
-                <a:cs typeface="Consolas" pitchFamily="49" charset="0"/>
-              </a:rPr>
-              <a:t>  public </a:t>
-            </a:r>
-            <a:r>
-              <a:rPr lang="en-US" sz="2600" b="1" noProof="1">
-                <a:solidFill>
-                  <a:schemeClr val="bg1"/>
-                </a:solidFill>
-                <a:latin typeface="Consolas" pitchFamily="49" charset="0"/>
-                <a:cs typeface="Consolas" pitchFamily="49" charset="0"/>
-              </a:rPr>
-              <a:t>sealed</a:t>
-            </a:r>
-            <a:r>
-              <a:rPr lang="en-US" sz="2600" b="1" noProof="1">
-                <a:latin typeface="Consolas" pitchFamily="49" charset="0"/>
-                <a:cs typeface="Consolas" pitchFamily="49" charset="0"/>
-              </a:rPr>
-              <a:t> </a:t>
-            </a:r>
-            <a:r>
-              <a:rPr lang="en-US" sz="2600" b="1" noProof="1">
-                <a:solidFill>
-                  <a:schemeClr val="bg1"/>
-                </a:solidFill>
-                <a:latin typeface="Consolas" pitchFamily="49" charset="0"/>
-                <a:cs typeface="Consolas" pitchFamily="49" charset="0"/>
-              </a:rPr>
-              <a:t>override</a:t>
-            </a:r>
-            <a:r>
-              <a:rPr lang="en-US" sz="2600" b="1" noProof="1">
-                <a:latin typeface="Consolas" pitchFamily="49" charset="0"/>
-                <a:cs typeface="Consolas" pitchFamily="49" charset="0"/>
-              </a:rPr>
-              <a:t> void Fly() {} </a:t>
-            </a:r>
-          </a:p>
-          <a:p>
-            <a:pPr defTabSz="1218438" latinLnBrk="1">
-              <a:lnSpc>
-                <a:spcPct val="90000"/>
-              </a:lnSpc>
-              <a:buFont typeface="Wingdings" panose="05000000000000000000" pitchFamily="2" charset="2"/>
-              <a:buNone/>
-            </a:pPr>
-            <a:r>
-              <a:rPr lang="en-US" sz="2600" b="1" noProof="1">
-                <a:latin typeface="Consolas" pitchFamily="49" charset="0"/>
-                <a:cs typeface="Consolas" pitchFamily="49" charset="0"/>
-              </a:rPr>
-              <a:t>}</a:t>
-            </a:r>
-          </a:p>
-        </p:txBody>
-      </p:sp>
-      <p:sp>
-        <p:nvSpPr>
-          <p:cNvPr id="8" name="Rectangle 7"/>
-          <p:cNvSpPr>
-            <a:spLocks noChangeArrowheads="1"/>
-          </p:cNvSpPr>
-          <p:nvPr/>
-        </p:nvSpPr>
-        <p:spPr bwMode="auto">
-          <a:xfrm>
-            <a:off x="426000" y="3969000"/>
-            <a:ext cx="5760000" cy="2766443"/>
-          </a:xfrm>
-          <a:prstGeom prst="rect">
-            <a:avLst/>
-          </a:prstGeom>
-          <a:solidFill>
-            <a:schemeClr val="accent6">
-              <a:lumMod val="75000"/>
-              <a:alpha val="15000"/>
-            </a:schemeClr>
-          </a:solidFill>
-          <a:ln w="12700">
-            <a:solidFill>
-              <a:schemeClr val="tx1">
-                <a:lumMod val="50000"/>
-              </a:schemeClr>
-            </a:solidFill>
-          </a:ln>
-        </p:spPr>
-        <p:txBody>
-          <a:bodyPr vert="horz" wrap="square" lIns="143963" tIns="107972" rIns="143963" bIns="107972" rtlCol="0">
-            <a:spAutoFit/>
-          </a:bodyPr>
-          <a:lstStyle/>
-          <a:p>
-            <a:pPr defTabSz="1218438" latinLnBrk="1">
-              <a:lnSpc>
-                <a:spcPct val="90000"/>
-              </a:lnSpc>
-              <a:buFont typeface="Wingdings" panose="05000000000000000000" pitchFamily="2" charset="2"/>
-              <a:buNone/>
-            </a:pPr>
-            <a:r>
-              <a:rPr lang="en-US" sz="2600" b="1" noProof="1">
-                <a:latin typeface="Consolas" pitchFamily="49" charset="0"/>
-                <a:cs typeface="Consolas" pitchFamily="49" charset="0"/>
-              </a:rPr>
-              <a:t>class NewTypePenguin</a:t>
-            </a:r>
-            <a:r>
-              <a:rPr lang="en-US" sz="2800" b="1" noProof="1">
-                <a:latin typeface="Consolas" pitchFamily="49" charset="0"/>
-                <a:cs typeface="Consolas" pitchFamily="49" charset="0"/>
-              </a:rPr>
-              <a:t> </a:t>
-            </a:r>
-            <a:r>
-              <a:rPr lang="en-US" sz="2600" b="1" noProof="1">
-                <a:latin typeface="Consolas" pitchFamily="49" charset="0"/>
-                <a:cs typeface="Consolas" pitchFamily="49" charset="0"/>
-              </a:rPr>
-              <a:t>:</a:t>
-            </a:r>
-            <a:r>
-              <a:rPr lang="en-US" sz="2800" b="1" noProof="1">
-                <a:latin typeface="Consolas" pitchFamily="49" charset="0"/>
-                <a:cs typeface="Consolas" pitchFamily="49" charset="0"/>
-              </a:rPr>
-              <a:t> </a:t>
-            </a:r>
-            <a:r>
-              <a:rPr lang="en-US" sz="2600" b="1" noProof="1">
-                <a:latin typeface="Consolas" pitchFamily="49" charset="0"/>
-                <a:cs typeface="Consolas" pitchFamily="49" charset="0"/>
-              </a:rPr>
-              <a:t>Penguin</a:t>
-            </a:r>
-          </a:p>
-          <a:p>
-            <a:pPr defTabSz="1218438" latinLnBrk="1">
-              <a:lnSpc>
-                <a:spcPct val="90000"/>
-              </a:lnSpc>
-              <a:buFont typeface="Wingdings" panose="05000000000000000000" pitchFamily="2" charset="2"/>
-              <a:buNone/>
-            </a:pPr>
-            <a:r>
-              <a:rPr lang="en-US" sz="2600" b="1" noProof="1">
-                <a:latin typeface="Consolas" pitchFamily="49" charset="0"/>
-                <a:cs typeface="Consolas" pitchFamily="49" charset="0"/>
-              </a:rPr>
-              <a:t>{</a:t>
-            </a:r>
-          </a:p>
-          <a:p>
-            <a:pPr defTabSz="1218438" latinLnBrk="1">
-              <a:lnSpc>
-                <a:spcPct val="90000"/>
-              </a:lnSpc>
-              <a:buFont typeface="Wingdings" panose="05000000000000000000" pitchFamily="2" charset="2"/>
-              <a:buNone/>
-            </a:pPr>
-            <a:r>
-              <a:rPr lang="en-US" sz="2600" b="1" noProof="1">
-                <a:latin typeface="Consolas" pitchFamily="49" charset="0"/>
-                <a:cs typeface="Consolas" pitchFamily="49" charset="0"/>
-              </a:rPr>
-              <a:t>  public </a:t>
-            </a:r>
-            <a:r>
-              <a:rPr lang="en-US" sz="2600" b="1" noProof="1">
-                <a:solidFill>
-                  <a:schemeClr val="bg1"/>
-                </a:solidFill>
-                <a:latin typeface="Consolas" pitchFamily="49" charset="0"/>
-                <a:cs typeface="Consolas" pitchFamily="49" charset="0"/>
-              </a:rPr>
-              <a:t>new</a:t>
-            </a:r>
-            <a:r>
-              <a:rPr lang="en-US" sz="2600" b="1" noProof="1">
-                <a:latin typeface="Consolas" pitchFamily="49" charset="0"/>
-                <a:cs typeface="Consolas" pitchFamily="49" charset="0"/>
-              </a:rPr>
-              <a:t> void Fly() </a:t>
-            </a:r>
-          </a:p>
-          <a:p>
-            <a:pPr defTabSz="1218438" latinLnBrk="1">
-              <a:lnSpc>
-                <a:spcPct val="90000"/>
-              </a:lnSpc>
-              <a:buFont typeface="Wingdings" panose="05000000000000000000" pitchFamily="2" charset="2"/>
-              <a:buNone/>
-            </a:pPr>
-            <a:r>
-              <a:rPr lang="en-US" sz="2600" b="1" noProof="1">
-                <a:latin typeface="Consolas" pitchFamily="49" charset="0"/>
-                <a:cs typeface="Consolas" pitchFamily="49" charset="0"/>
-              </a:rPr>
-              <a:t>  {</a:t>
-            </a:r>
-          </a:p>
-          <a:p>
-            <a:pPr defTabSz="1218438" latinLnBrk="1">
-              <a:lnSpc>
-                <a:spcPct val="90000"/>
-              </a:lnSpc>
-              <a:buFont typeface="Wingdings" panose="05000000000000000000" pitchFamily="2" charset="2"/>
-              <a:buNone/>
-            </a:pPr>
-            <a:r>
-              <a:rPr lang="en-US" sz="2600" b="1" noProof="1">
-                <a:latin typeface="Consolas" pitchFamily="49" charset="0"/>
-                <a:cs typeface="Consolas" pitchFamily="49" charset="0"/>
-              </a:rPr>
-              <a:t>    </a:t>
-            </a:r>
-            <a:r>
-              <a:rPr lang="en-US" sz="2600" b="1" noProof="1">
-                <a:solidFill>
-                  <a:schemeClr val="bg1"/>
-                </a:solidFill>
-                <a:latin typeface="Consolas" pitchFamily="49" charset="0"/>
-                <a:cs typeface="Consolas" pitchFamily="49" charset="0"/>
-              </a:rPr>
-              <a:t>base</a:t>
-            </a:r>
-            <a:r>
-              <a:rPr lang="en-US" sz="2600" b="1" noProof="1">
-                <a:latin typeface="Consolas" pitchFamily="49" charset="0"/>
-                <a:cs typeface="Consolas" pitchFamily="49" charset="0"/>
-              </a:rPr>
-              <a:t>.Fly();</a:t>
-            </a:r>
-          </a:p>
-          <a:p>
-            <a:pPr defTabSz="1218438" latinLnBrk="1">
-              <a:lnSpc>
-                <a:spcPct val="90000"/>
-              </a:lnSpc>
-              <a:buFont typeface="Wingdings" panose="05000000000000000000" pitchFamily="2" charset="2"/>
-              <a:buNone/>
-            </a:pPr>
-            <a:r>
-              <a:rPr lang="en-US" sz="2600" b="1" noProof="1">
-                <a:latin typeface="Consolas" pitchFamily="49" charset="0"/>
-                <a:cs typeface="Consolas" pitchFamily="49" charset="0"/>
-              </a:rPr>
-              <a:t>  } </a:t>
-            </a:r>
-          </a:p>
-          <a:p>
-            <a:pPr defTabSz="1218438" latinLnBrk="1">
-              <a:lnSpc>
-                <a:spcPct val="90000"/>
-              </a:lnSpc>
-              <a:buFont typeface="Wingdings" panose="05000000000000000000" pitchFamily="2" charset="2"/>
-              <a:buNone/>
-            </a:pPr>
-            <a:r>
-              <a:rPr lang="en-US" sz="2600" b="1" noProof="1">
-                <a:latin typeface="Consolas" pitchFamily="49" charset="0"/>
-                <a:cs typeface="Consolas" pitchFamily="49" charset="0"/>
-              </a:rPr>
-              <a:t>} </a:t>
-            </a:r>
-          </a:p>
-        </p:txBody>
-      </p:sp>
-      <p:sp>
-        <p:nvSpPr>
-          <p:cNvPr id="11" name="Text Placeholder 4"/>
-          <p:cNvSpPr txBox="1">
-            <a:spLocks/>
-          </p:cNvSpPr>
-          <p:nvPr/>
-        </p:nvSpPr>
-        <p:spPr>
-          <a:xfrm>
-            <a:off x="6284882" y="4011765"/>
-            <a:ext cx="5723616" cy="2747235"/>
-          </a:xfrm>
-          <a:prstGeom prst="rect">
-            <a:avLst/>
-          </a:prstGeom>
-        </p:spPr>
-        <p:txBody>
-          <a:bodyPr vert="horz" lIns="108000" tIns="36000" rIns="108000" bIns="36000" rtlCol="0">
-            <a:normAutofit/>
-          </a:bodyPr>
-          <a:lstStyle>
-            <a:lvl1pPr marL="360363" indent="-360363" algn="l" defTabSz="1218438" rtl="0" eaLnBrk="1" latinLnBrk="0" hangingPunct="1">
-              <a:lnSpc>
-                <a:spcPct val="105000"/>
-              </a:lnSpc>
-              <a:spcBef>
-                <a:spcPts val="600"/>
-              </a:spcBef>
-              <a:spcAft>
-                <a:spcPts val="600"/>
-              </a:spcAft>
-              <a:buFont typeface="Wingdings" panose="05000000000000000000" pitchFamily="2" charset="2"/>
-              <a:buChar char="§"/>
-              <a:defRPr sz="3398" kern="1200">
-                <a:solidFill>
-                  <a:schemeClr val="tx1"/>
-                </a:solidFill>
-                <a:latin typeface="+mn-lt"/>
-                <a:ea typeface="+mn-ea"/>
-                <a:cs typeface="+mn-cs"/>
-              </a:defRPr>
-            </a:lvl1pPr>
-            <a:lvl2pPr marL="803275" indent="-360363" algn="l" defTabSz="1218438" rtl="0" eaLnBrk="1" latinLnBrk="0" hangingPunct="1">
-              <a:lnSpc>
-                <a:spcPct val="105000"/>
-              </a:lnSpc>
-              <a:spcBef>
-                <a:spcPts val="600"/>
-              </a:spcBef>
-              <a:spcAft>
-                <a:spcPts val="600"/>
-              </a:spcAft>
-              <a:buFont typeface="Wingdings" panose="05000000000000000000" pitchFamily="2" charset="2"/>
-              <a:buChar char="§"/>
-              <a:defRPr sz="3198" kern="1200">
-                <a:solidFill>
-                  <a:schemeClr val="tx1"/>
-                </a:solidFill>
-                <a:latin typeface="+mn-lt"/>
-                <a:ea typeface="+mn-ea"/>
-                <a:cs typeface="+mn-cs"/>
-              </a:defRPr>
-            </a:lvl2pPr>
-            <a:lvl3pPr marL="1255713" indent="-360363" algn="l" defTabSz="1218438" rtl="0" eaLnBrk="1" latinLnBrk="0" hangingPunct="1">
-              <a:lnSpc>
-                <a:spcPct val="105000"/>
-              </a:lnSpc>
-              <a:spcBef>
-                <a:spcPts val="600"/>
-              </a:spcBef>
-              <a:spcAft>
-                <a:spcPts val="600"/>
-              </a:spcAft>
-              <a:buFont typeface="Wingdings" panose="05000000000000000000" pitchFamily="2" charset="2"/>
-              <a:buChar char="§"/>
-              <a:defRPr sz="2998" kern="1200">
-                <a:solidFill>
-                  <a:schemeClr val="tx1"/>
-                </a:solidFill>
-                <a:latin typeface="+mn-lt"/>
-                <a:ea typeface="+mn-ea"/>
-                <a:cs typeface="+mn-cs"/>
-              </a:defRPr>
-            </a:lvl3pPr>
-            <a:lvl4pPr marL="1700213" indent="-352425" algn="l" defTabSz="1218438" rtl="0" eaLnBrk="1" latinLnBrk="0" hangingPunct="1">
-              <a:lnSpc>
-                <a:spcPct val="105000"/>
-              </a:lnSpc>
-              <a:spcBef>
-                <a:spcPts val="600"/>
-              </a:spcBef>
-              <a:spcAft>
-                <a:spcPts val="600"/>
-              </a:spcAft>
-              <a:buFont typeface="Wingdings" panose="05000000000000000000" pitchFamily="2" charset="2"/>
-              <a:buChar char="§"/>
-              <a:defRPr sz="2798" kern="1200">
-                <a:solidFill>
-                  <a:schemeClr val="tx1"/>
-                </a:solidFill>
-                <a:latin typeface="+mn-lt"/>
-                <a:ea typeface="+mn-ea"/>
-                <a:cs typeface="+mn-cs"/>
-              </a:defRPr>
-            </a:lvl4pPr>
-            <a:lvl5pPr marL="2058988" indent="-266700" algn="l" defTabSz="1218438" rtl="0" eaLnBrk="1" latinLnBrk="0" hangingPunct="1">
-              <a:lnSpc>
-                <a:spcPct val="105000"/>
-              </a:lnSpc>
-              <a:spcBef>
-                <a:spcPts val="600"/>
-              </a:spcBef>
-              <a:spcAft>
-                <a:spcPts val="600"/>
-              </a:spcAft>
-              <a:buFont typeface="Wingdings" panose="05000000000000000000" pitchFamily="2" charset="2"/>
-              <a:buChar char="§"/>
-              <a:defRPr sz="2598" kern="1200">
-                <a:solidFill>
-                  <a:schemeClr val="tx1"/>
-                </a:solidFill>
-                <a:latin typeface="+mn-lt"/>
-                <a:ea typeface="+mn-ea"/>
-                <a:cs typeface="+mn-cs"/>
-              </a:defRPr>
-            </a:lvl5pPr>
-            <a:lvl6pPr marL="3350704" indent="-304610" algn="l" defTabSz="1218438" rtl="0" eaLnBrk="1" latinLnBrk="1" hangingPunct="1">
-              <a:spcBef>
-                <a:spcPct val="20000"/>
-              </a:spcBef>
-              <a:buFont typeface="Arial" pitchFamily="34" charset="0"/>
-              <a:buChar char="•"/>
-              <a:defRPr sz="2665" kern="1200">
-                <a:solidFill>
-                  <a:schemeClr val="tx1"/>
-                </a:solidFill>
-                <a:latin typeface="+mn-lt"/>
-                <a:ea typeface="+mn-ea"/>
-                <a:cs typeface="+mn-cs"/>
-              </a:defRPr>
-            </a:lvl6pPr>
-            <a:lvl7pPr marL="3959924" indent="-304610" algn="l" defTabSz="1218438" rtl="0" eaLnBrk="1" latinLnBrk="1" hangingPunct="1">
-              <a:spcBef>
-                <a:spcPct val="20000"/>
-              </a:spcBef>
-              <a:buFont typeface="Arial" pitchFamily="34" charset="0"/>
-              <a:buChar char="•"/>
-              <a:defRPr sz="2665" kern="1200">
-                <a:solidFill>
-                  <a:schemeClr val="tx1"/>
-                </a:solidFill>
-                <a:latin typeface="+mn-lt"/>
-                <a:ea typeface="+mn-ea"/>
-                <a:cs typeface="+mn-cs"/>
-              </a:defRPr>
-            </a:lvl7pPr>
-            <a:lvl8pPr marL="4569143" indent="-304610" algn="l" defTabSz="1218438" rtl="0" eaLnBrk="1" latinLnBrk="1" hangingPunct="1">
-              <a:spcBef>
-                <a:spcPct val="20000"/>
-              </a:spcBef>
-              <a:buFont typeface="Arial" pitchFamily="34" charset="0"/>
-              <a:buChar char="•"/>
-              <a:defRPr sz="2665" kern="1200">
-                <a:solidFill>
-                  <a:schemeClr val="tx1"/>
-                </a:solidFill>
-                <a:latin typeface="+mn-lt"/>
-                <a:ea typeface="+mn-ea"/>
-                <a:cs typeface="+mn-cs"/>
-              </a:defRPr>
-            </a:lvl8pPr>
-            <a:lvl9pPr marL="5178362" indent="-304610" algn="l" defTabSz="1218438" rtl="0" eaLnBrk="1" latinLnBrk="1" hangingPunct="1">
-              <a:spcBef>
-                <a:spcPct val="20000"/>
-              </a:spcBef>
-              <a:buFont typeface="Arial" pitchFamily="34" charset="0"/>
-              <a:buChar char="•"/>
-              <a:defRPr sz="2665" kern="1200">
-                <a:solidFill>
-                  <a:schemeClr val="tx1"/>
-                </a:solidFill>
-                <a:latin typeface="+mn-lt"/>
-                <a:ea typeface="+mn-ea"/>
-                <a:cs typeface="+mn-cs"/>
-              </a:defRPr>
-            </a:lvl9pPr>
-          </a:lstStyle>
-          <a:p>
-            <a:pPr>
-              <a:lnSpc>
-                <a:spcPct val="100000"/>
-              </a:lnSpc>
-            </a:pPr>
-            <a:r>
-              <a:rPr lang="en-US" sz="3200" b="1" dirty="0">
-                <a:latin typeface="Calibri" panose="020F0502020204030204" pitchFamily="34" charset="0"/>
-                <a:cs typeface="Calibri" panose="020F0502020204030204" pitchFamily="34" charset="0"/>
-              </a:rPr>
-              <a:t>Sealed</a:t>
-            </a:r>
-            <a:r>
-              <a:rPr lang="en-US" sz="3200" dirty="0">
-                <a:latin typeface="Calibri" panose="020F0502020204030204" pitchFamily="34" charset="0"/>
-                <a:cs typeface="Calibri" panose="020F0502020204030204" pitchFamily="34" charset="0"/>
-              </a:rPr>
-              <a:t> </a:t>
-            </a:r>
-            <a:r>
-              <a:rPr lang="bg-BG" sz="3200" dirty="0">
-                <a:latin typeface="Calibri" panose="020F0502020204030204" pitchFamily="34" charset="0"/>
-                <a:cs typeface="Calibri" panose="020F0502020204030204" pitchFamily="34" charset="0"/>
-              </a:rPr>
-              <a:t>методите могат да бъдат заместени от клас-наследник чрез </a:t>
-            </a:r>
-            <a:r>
-              <a:rPr lang="en-US" sz="3200" b="1" dirty="0">
-                <a:solidFill>
-                  <a:schemeClr val="bg1"/>
-                </a:solidFill>
-                <a:latin typeface="Consolas" panose="020B0609020204030204" pitchFamily="49" charset="0"/>
-              </a:rPr>
-              <a:t>new</a:t>
-            </a:r>
-            <a:endParaRPr lang="en-US" sz="3200" dirty="0"/>
-          </a:p>
-          <a:p>
-            <a:pPr>
-              <a:lnSpc>
-                <a:spcPct val="100000"/>
-              </a:lnSpc>
-            </a:pPr>
-            <a:r>
-              <a:rPr lang="bg-BG" sz="3200" dirty="0"/>
-              <a:t>Чрез</a:t>
-            </a:r>
-            <a:r>
-              <a:rPr lang="en-US" sz="3200" dirty="0"/>
-              <a:t> </a:t>
-            </a:r>
-            <a:r>
-              <a:rPr lang="en-US" sz="3200" b="1" dirty="0">
-                <a:solidFill>
-                  <a:schemeClr val="bg1"/>
-                </a:solidFill>
-                <a:latin typeface="Consolas" panose="020B0609020204030204" pitchFamily="49" charset="0"/>
-              </a:rPr>
-              <a:t>new</a:t>
-            </a:r>
-            <a:r>
-              <a:rPr lang="en-US" sz="3200" dirty="0"/>
-              <a:t> </a:t>
-            </a:r>
-            <a:r>
-              <a:rPr lang="bg-BG" sz="3200" dirty="0"/>
-              <a:t>скриваме метод от базовия клас</a:t>
-            </a:r>
-            <a:endParaRPr lang="en-US" sz="3200" dirty="0"/>
-          </a:p>
-        </p:txBody>
-      </p:sp>
-      <p:sp>
-        <p:nvSpPr>
-          <p:cNvPr id="2" name="Slide Number">
-            <a:extLst>
-              <a:ext uri="{FF2B5EF4-FFF2-40B4-BE49-F238E27FC236}">
-                <a16:creationId xmlns:a16="http://schemas.microsoft.com/office/drawing/2014/main" id="{383466E3-1441-1EE3-67AC-D32209DE6572}"/>
-              </a:ext>
-            </a:extLst>
-          </p:cNvPr>
-          <p:cNvSpPr>
-            <a:spLocks noGrp="1"/>
-          </p:cNvSpPr>
-          <p:nvPr>
-            <p:ph type="sldNum" sz="quarter" idx="5"/>
-          </p:nvPr>
-        </p:nvSpPr>
-        <p:spPr>
-          <a:xfrm>
-            <a:off x="11753030" y="6507000"/>
-            <a:ext cx="367414" cy="297000"/>
-          </a:xfrm>
-          <a:prstGeom prst="rect">
-            <a:avLst/>
-          </a:prstGeom>
-        </p:spPr>
-        <p:txBody>
-          <a:bodyPr vert="horz" lIns="91440" tIns="45720" rIns="91440" bIns="45720" rtlCol="0" anchor="b"/>
-          <a:lstStyle>
-            <a:lvl1pPr algn="r">
-              <a:defRPr sz="1000"/>
-            </a:lvl1pPr>
-          </a:lstStyle>
-          <a:p>
-            <a:fld id="{2BF067CD-8E6B-4360-9AA8-C5DF2A48A6D1}" type="slidenum">
-              <a:rPr lang="en-US" noProof="0" smtClean="0"/>
-              <a:pPr/>
-              <a:t>32</a:t>
-            </a:fld>
-            <a:endParaRPr lang="en-US" noProof="0" dirty="0"/>
-          </a:p>
-        </p:txBody>
-      </p:sp>
-    </p:spTree>
-    <p:extLst>
-      <p:ext uri="{BB962C8B-B14F-4D97-AF65-F5344CB8AC3E}">
-        <p14:creationId xmlns:p14="http://schemas.microsoft.com/office/powerpoint/2010/main" val="1872487067"/>
-      </p:ext>
-    </p:extLst>
-  </p:cSld>
-  <p:clrMapOvr>
-    <a:masterClrMapping/>
-  </p:clrMapOvr>
-  <mc:AlternateContent xmlns:mc="http://schemas.openxmlformats.org/markup-compatibility/2006" xmlns:p14="http://schemas.microsoft.com/office/powerpoint/2010/main">
-    <mc:Choice Requires="p14">
-      <p:transition p14:dur="0" advClick="0" advTm="5000"/>
-    </mc:Choice>
-    <mc:Fallback xmlns="">
-      <p:transition advClick="0" advTm="5000"/>
-    </mc:Fallback>
-  </mc:AlternateContent>
-  <p:timing>
-    <p:tnLst>
-      <p:par>
-        <p:cTn id="1" dur="indefinite" restart="never" nodeType="tmRoot">
-          <p:childTnLst>
-            <p:seq concurrent="1" nextAc="seek">
-              <p:cTn id="2" dur="indefinite" nodeType="mainSeq">
-                <p:childTnLst>
-                  <p:par>
-                    <p:cTn id="3" fill="hold">
-                      <p:stCondLst>
-                        <p:cond delay="indefinite"/>
-                      </p:stCondLst>
-                      <p:childTnLst>
-                        <p:par>
-                          <p:cTn id="4" fill="hold">
-                            <p:stCondLst>
-                              <p:cond delay="0"/>
-                            </p:stCondLst>
-                            <p:childTnLst>
-                              <p:par>
-                                <p:cTn id="5" presetID="1" presetClass="entr" presetSubtype="0" fill="hold" grpId="0" nodeType="clickEffect">
-                                  <p:stCondLst>
-                                    <p:cond delay="0"/>
-                                  </p:stCondLst>
-                                  <p:childTnLst>
-                                    <p:set>
-                                      <p:cBhvr>
-                                        <p:cTn id="6" dur="1" fill="hold">
-                                          <p:stCondLst>
-                                            <p:cond delay="0"/>
-                                          </p:stCondLst>
-                                        </p:cTn>
-                                        <p:tgtEl>
-                                          <p:spTgt spid="8"/>
-                                        </p:tgtEl>
-                                        <p:attrNameLst>
-                                          <p:attrName>style.visibility</p:attrName>
-                                        </p:attrNameLst>
-                                      </p:cBhvr>
-                                      <p:to>
-                                        <p:strVal val="visible"/>
-                                      </p:to>
-                                    </p:set>
-                                  </p:childTnLst>
-                                </p:cTn>
-                              </p:par>
-                              <p:par>
-                                <p:cTn id="7" presetID="1" presetClass="entr" presetSubtype="0" fill="hold" nodeType="withEffect">
-                                  <p:stCondLst>
-                                    <p:cond delay="0"/>
-                                  </p:stCondLst>
-                                  <p:childTnLst>
-                                    <p:set>
-                                      <p:cBhvr>
-                                        <p:cTn id="8" dur="1" fill="hold">
-                                          <p:stCondLst>
-                                            <p:cond delay="0"/>
-                                          </p:stCondLst>
-                                        </p:cTn>
-                                        <p:tgtEl>
-                                          <p:spTgt spid="8">
-                                            <p:txEl>
-                                              <p:pRg st="0" end="0"/>
-                                            </p:txEl>
-                                          </p:spTgt>
-                                        </p:tgtEl>
-                                        <p:attrNameLst>
-                                          <p:attrName>style.visibility</p:attrName>
-                                        </p:attrNameLst>
-                                      </p:cBhvr>
-                                      <p:to>
-                                        <p:strVal val="visible"/>
-                                      </p:to>
-                                    </p:set>
-                                  </p:childTnLst>
-                                </p:cTn>
-                              </p:par>
-                              <p:par>
-                                <p:cTn id="9" presetID="1" presetClass="entr" presetSubtype="0" fill="hold" nodeType="withEffect">
-                                  <p:stCondLst>
-                                    <p:cond delay="0"/>
-                                  </p:stCondLst>
-                                  <p:childTnLst>
-                                    <p:set>
-                                      <p:cBhvr>
-                                        <p:cTn id="10" dur="1" fill="hold">
-                                          <p:stCondLst>
-                                            <p:cond delay="0"/>
-                                          </p:stCondLst>
-                                        </p:cTn>
-                                        <p:tgtEl>
-                                          <p:spTgt spid="8">
-                                            <p:txEl>
-                                              <p:pRg st="1" end="1"/>
-                                            </p:txEl>
-                                          </p:spTgt>
-                                        </p:tgtEl>
-                                        <p:attrNameLst>
-                                          <p:attrName>style.visibility</p:attrName>
-                                        </p:attrNameLst>
-                                      </p:cBhvr>
-                                      <p:to>
-                                        <p:strVal val="visible"/>
-                                      </p:to>
-                                    </p:set>
-                                  </p:childTnLst>
-                                </p:cTn>
-                              </p:par>
-                              <p:par>
-                                <p:cTn id="11" presetID="1" presetClass="entr" presetSubtype="0" fill="hold" nodeType="withEffect">
-                                  <p:stCondLst>
-                                    <p:cond delay="0"/>
-                                  </p:stCondLst>
-                                  <p:childTnLst>
-                                    <p:set>
-                                      <p:cBhvr>
-                                        <p:cTn id="12" dur="1" fill="hold">
-                                          <p:stCondLst>
-                                            <p:cond delay="0"/>
-                                          </p:stCondLst>
-                                        </p:cTn>
-                                        <p:tgtEl>
-                                          <p:spTgt spid="8">
-                                            <p:txEl>
-                                              <p:pRg st="2" end="2"/>
-                                            </p:txEl>
-                                          </p:spTgt>
-                                        </p:tgtEl>
-                                        <p:attrNameLst>
-                                          <p:attrName>style.visibility</p:attrName>
-                                        </p:attrNameLst>
-                                      </p:cBhvr>
-                                      <p:to>
-                                        <p:strVal val="visible"/>
-                                      </p:to>
-                                    </p:set>
-                                  </p:childTnLst>
-                                </p:cTn>
-                              </p:par>
-                              <p:par>
-                                <p:cTn id="13" presetID="1" presetClass="entr" presetSubtype="0" fill="hold" nodeType="withEffect">
-                                  <p:stCondLst>
-                                    <p:cond delay="0"/>
-                                  </p:stCondLst>
-                                  <p:childTnLst>
-                                    <p:set>
-                                      <p:cBhvr>
-                                        <p:cTn id="14" dur="1" fill="hold">
-                                          <p:stCondLst>
-                                            <p:cond delay="0"/>
-                                          </p:stCondLst>
-                                        </p:cTn>
-                                        <p:tgtEl>
-                                          <p:spTgt spid="8">
-                                            <p:txEl>
-                                              <p:pRg st="3" end="3"/>
-                                            </p:txEl>
-                                          </p:spTgt>
-                                        </p:tgtEl>
-                                        <p:attrNameLst>
-                                          <p:attrName>style.visibility</p:attrName>
-                                        </p:attrNameLst>
-                                      </p:cBhvr>
-                                      <p:to>
-                                        <p:strVal val="visible"/>
-                                      </p:to>
-                                    </p:set>
-                                  </p:childTnLst>
-                                </p:cTn>
-                              </p:par>
-                              <p:par>
-                                <p:cTn id="15" presetID="1" presetClass="entr" presetSubtype="0" fill="hold" nodeType="withEffect">
-                                  <p:stCondLst>
-                                    <p:cond delay="0"/>
-                                  </p:stCondLst>
-                                  <p:childTnLst>
-                                    <p:set>
-                                      <p:cBhvr>
-                                        <p:cTn id="16" dur="1" fill="hold">
-                                          <p:stCondLst>
-                                            <p:cond delay="0"/>
-                                          </p:stCondLst>
-                                        </p:cTn>
-                                        <p:tgtEl>
-                                          <p:spTgt spid="8">
-                                            <p:txEl>
-                                              <p:pRg st="5" end="5"/>
-                                            </p:txEl>
-                                          </p:spTgt>
-                                        </p:tgtEl>
-                                        <p:attrNameLst>
-                                          <p:attrName>style.visibility</p:attrName>
-                                        </p:attrNameLst>
-                                      </p:cBhvr>
-                                      <p:to>
-                                        <p:strVal val="visible"/>
-                                      </p:to>
-                                    </p:set>
-                                  </p:childTnLst>
-                                </p:cTn>
-                              </p:par>
-                              <p:par>
-                                <p:cTn id="17" presetID="1" presetClass="entr" presetSubtype="0" fill="hold" nodeType="withEffect">
-                                  <p:stCondLst>
-                                    <p:cond delay="0"/>
-                                  </p:stCondLst>
-                                  <p:childTnLst>
-                                    <p:set>
-                                      <p:cBhvr>
-                                        <p:cTn id="18" dur="1" fill="hold">
-                                          <p:stCondLst>
-                                            <p:cond delay="0"/>
-                                          </p:stCondLst>
-                                        </p:cTn>
-                                        <p:tgtEl>
-                                          <p:spTgt spid="8">
-                                            <p:txEl>
-                                              <p:pRg st="6" end="6"/>
-                                            </p:txEl>
-                                          </p:spTgt>
-                                        </p:tgtEl>
-                                        <p:attrNameLst>
-                                          <p:attrName>style.visibility</p:attrName>
-                                        </p:attrNameLst>
-                                      </p:cBhvr>
-                                      <p:to>
-                                        <p:strVal val="visible"/>
-                                      </p:to>
-                                    </p:set>
-                                  </p:childTnLst>
-                                </p:cTn>
-                              </p:par>
-                              <p:par>
-                                <p:cTn id="19" presetID="1" presetClass="entr" presetSubtype="0" fill="hold" nodeType="withEffect">
-                                  <p:stCondLst>
-                                    <p:cond delay="0"/>
-                                  </p:stCondLst>
-                                  <p:childTnLst>
-                                    <p:set>
-                                      <p:cBhvr>
-                                        <p:cTn id="20" dur="1" fill="hold">
-                                          <p:stCondLst>
-                                            <p:cond delay="0"/>
-                                          </p:stCondLst>
-                                        </p:cTn>
-                                        <p:tgtEl>
-                                          <p:spTgt spid="11">
-                                            <p:txEl>
-                                              <p:pRg st="0" end="0"/>
-                                            </p:txEl>
-                                          </p:spTgt>
-                                        </p:tgtEl>
-                                        <p:attrNameLst>
-                                          <p:attrName>style.visibility</p:attrName>
-                                        </p:attrNameLst>
-                                      </p:cBhvr>
-                                      <p:to>
-                                        <p:strVal val="visible"/>
-                                      </p:to>
-                                    </p:set>
-                                  </p:childTnLst>
-                                </p:cTn>
-                              </p:par>
-                            </p:childTnLst>
-                          </p:cTn>
-                        </p:par>
-                      </p:childTnLst>
-                    </p:cTn>
-                  </p:par>
-                  <p:par>
-                    <p:cTn id="21" fill="hold">
-                      <p:stCondLst>
-                        <p:cond delay="indefinite"/>
-                      </p:stCondLst>
-                      <p:childTnLst>
-                        <p:par>
-                          <p:cTn id="22" fill="hold">
-                            <p:stCondLst>
-                              <p:cond delay="0"/>
-                            </p:stCondLst>
-                            <p:childTnLst>
-                              <p:par>
-                                <p:cTn id="23" presetID="1" presetClass="entr" presetSubtype="0" fill="hold" nodeType="clickEffect">
-                                  <p:stCondLst>
-                                    <p:cond delay="0"/>
-                                  </p:stCondLst>
-                                  <p:childTnLst>
-                                    <p:set>
-                                      <p:cBhvr>
-                                        <p:cTn id="24" dur="1" fill="hold">
-                                          <p:stCondLst>
-                                            <p:cond delay="0"/>
-                                          </p:stCondLst>
-                                        </p:cTn>
-                                        <p:tgtEl>
-                                          <p:spTgt spid="11">
-                                            <p:txEl>
-                                              <p:pRg st="1" end="1"/>
-                                            </p:txEl>
-                                          </p:spTgt>
-                                        </p:tgtEl>
-                                        <p:attrNameLst>
-                                          <p:attrName>style.visibility</p:attrName>
-                                        </p:attrNameLst>
-                                      </p:cBhvr>
-                                      <p:to>
-                                        <p:strVal val="visible"/>
-                                      </p:to>
-                                    </p:set>
-                                  </p:childTnLst>
-                                </p:cTn>
-                              </p:par>
-                              <p:par>
-                                <p:cTn id="25" presetID="1" presetClass="entr" presetSubtype="0" fill="hold" nodeType="withEffect">
-                                  <p:stCondLst>
-                                    <p:cond delay="0"/>
-                                  </p:stCondLst>
-                                  <p:childTnLst>
-                                    <p:set>
-                                      <p:cBhvr>
-                                        <p:cTn id="26" dur="1" fill="hold">
-                                          <p:stCondLst>
-                                            <p:cond delay="0"/>
-                                          </p:stCondLst>
-                                        </p:cTn>
-                                        <p:tgtEl>
-                                          <p:spTgt spid="8">
-                                            <p:txEl>
-                                              <p:pRg st="4" end="4"/>
-                                            </p:txEl>
-                                          </p:spTgt>
-                                        </p:tgtEl>
-                                        <p:attrNameLst>
-                                          <p:attrName>style.visibility</p:attrName>
-                                        </p:attrNameLst>
-                                      </p:cBhvr>
-                                      <p:to>
-                                        <p:strVal val="visible"/>
-                                      </p:to>
-                                    </p:set>
-                                  </p:childTnLst>
-                                </p:cTn>
-                              </p:par>
-                            </p:childTnLst>
-                          </p:cTn>
-                        </p:par>
-                      </p:childTnLst>
-                    </p:cTn>
-                  </p:par>
-                </p:childTnLst>
-              </p:cTn>
-              <p:prevCondLst>
-                <p:cond evt="onPrev" delay="0">
-                  <p:tgtEl>
-                    <p:sldTgt/>
-                  </p:tgtEl>
-                </p:cond>
-              </p:prevCondLst>
-              <p:nextCondLst>
-                <p:cond evt="onNext" delay="0">
-                  <p:tgtEl>
-                    <p:sldTgt/>
-                  </p:tgtEl>
-                </p:cond>
-              </p:nextCondLst>
-            </p:seq>
-          </p:childTnLst>
-        </p:cTn>
-      </p:par>
-    </p:tnLst>
-    <p:bldLst>
-      <p:bldP spid="8" grpId="0" animBg="1"/>
-    </p:bldLst>
-  </p:timing>
-</p:sld>
-</file>
-
-<file path=ppt/slides/slide33.xml><?xml version="1.0" encoding="utf-8"?>
-<p:sld xmlns:a="http://schemas.openxmlformats.org/drawingml/2006/main" xmlns:r="http://schemas.openxmlformats.org/officeDocument/2006/relationships" xmlns:p="http://schemas.openxmlformats.org/presentationml/2006/main">
-  <p:cSld>
-    <p:spTree>
-      <p:nvGrpSpPr>
-        <p:cNvPr id="1" name=""/>
-        <p:cNvGrpSpPr/>
-        <p:nvPr/>
-      </p:nvGrpSpPr>
-      <p:grpSpPr>
-        <a:xfrm>
-          <a:off x="0" y="0"/>
-          <a:ext cx="0" cy="0"/>
-          <a:chOff x="0" y="0"/>
-          <a:chExt cx="0" cy="0"/>
-        </a:xfrm>
-      </p:grpSpPr>
-      <p:sp>
-        <p:nvSpPr>
           <p:cNvPr id="14" name="Text Placeholder 4">
             <a:extLst>
               <a:ext uri="{FF2B5EF4-FFF2-40B4-BE49-F238E27FC236}">
@@ -29934,7 +28565,7 @@
             <a:fld id="{2BF067CD-8E6B-4360-9AA8-C5DF2A48A6D1}" type="slidenum">
               <a:rPr lang="en-US" noProof="0" smtClean="0"/>
               <a:pPr/>
-              <a:t>33</a:t>
+              <a:t>32</a:t>
             </a:fld>
             <a:endParaRPr lang="en-US" noProof="0" dirty="0"/>
           </a:p>
@@ -30200,7 +28831,7 @@
 </p:sld>
 </file>
 
-<file path=ppt/slides/slide34.xml><?xml version="1.0" encoding="utf-8"?>
+<file path=ppt/slides/slide33.xml><?xml version="1.0" encoding="utf-8"?>
 <p:sld xmlns:a="http://schemas.openxmlformats.org/drawingml/2006/main" xmlns:r="http://schemas.openxmlformats.org/officeDocument/2006/relationships" xmlns:p="http://schemas.openxmlformats.org/presentationml/2006/main">
   <p:cSld>
     <p:spTree>
@@ -30390,8 +29021,8 @@
 </p:sld>
 </file>
 
-<file path=ppt/slides/slide35.xml><?xml version="1.0" encoding="utf-8"?>
-<p:sld xmlns:a="http://schemas.openxmlformats.org/drawingml/2006/main" xmlns:r="http://schemas.openxmlformats.org/officeDocument/2006/relationships" xmlns:p="http://schemas.openxmlformats.org/presentationml/2006/main">
+<file path=ppt/slides/slide34.xml><?xml version="1.0" encoding="utf-8"?>
+<p:sld xmlns:a="http://schemas.openxmlformats.org/drawingml/2006/main" xmlns:r="http://schemas.openxmlformats.org/officeDocument/2006/relationships" xmlns:p="http://schemas.openxmlformats.org/presentationml/2006/main" show="0">
   <p:cSld>
     <p:spTree>
       <p:nvGrpSpPr>
@@ -30746,7 +29377,7 @@
             <a:fld id="{2BF067CD-8E6B-4360-9AA8-C5DF2A48A6D1}" type="slidenum">
               <a:rPr lang="en-US" noProof="0" smtClean="0"/>
               <a:pPr/>
-              <a:t>35</a:t>
+              <a:t>34</a:t>
             </a:fld>
             <a:endParaRPr lang="en-US" noProof="0" dirty="0"/>
           </a:p>
@@ -30762,11 +29393,11 @@
   <p:clrMapOvr>
     <a:masterClrMapping/>
   </p:clrMapOvr>
-  <mc:AlternateContent xmlns:mc="http://schemas.openxmlformats.org/markup-compatibility/2006" xmlns:p14="http://schemas.microsoft.com/office/powerpoint/2010/main">
-    <mc:Choice Requires="p14">
+  <mc:AlternateContent xmlns:mc="http://schemas.openxmlformats.org/markup-compatibility/2006">
+    <mc:Choice xmlns:p14="http://schemas.microsoft.com/office/powerpoint/2010/main" Requires="p14">
       <p:transition spd="slow" p14:dur="2000" advClick="0" advTm="5000"/>
     </mc:Choice>
-    <mc:Fallback xmlns="">
+    <mc:Fallback>
       <p:transition spd="slow" advClick="0" advTm="5000"/>
     </mc:Fallback>
   </mc:AlternateContent>
@@ -34520,7 +33151,7 @@
           <a:p>
             <a:r>
               <a:rPr lang="bg-BG" dirty="0"/>
-              <a:t>Проверете дали даден </a:t>
+              <a:t>Проверка дали даден </a:t>
             </a:r>
             <a:r>
               <a:rPr lang="bg-BG" b="1" dirty="0">
@@ -34561,6 +33192,10 @@
                 </a:solidFill>
               </a:rPr>
               <a:t>клас</a:t>
+            </a:r>
+            <a:r>
+              <a:rPr lang="bg-BG" dirty="0"/>
+              <a:t>:</a:t>
             </a:r>
             <a:endParaRPr lang="en-US" b="1" dirty="0">
               <a:solidFill>

--- a/Courses/Software-Sciences/Module-1-OOP/11.1-Polymorphism-Basics/11.1-Polymorphism-Basics.pptx
+++ b/Courses/Software-Sciences/Module-1-OOP/11.1-Polymorphism-Basics/11.1-Polymorphism-Basics.pptx
@@ -29393,11 +29393,11 @@
   <p:clrMapOvr>
     <a:masterClrMapping/>
   </p:clrMapOvr>
-  <mc:AlternateContent xmlns:mc="http://schemas.openxmlformats.org/markup-compatibility/2006">
-    <mc:Choice xmlns:p14="http://schemas.microsoft.com/office/powerpoint/2010/main" Requires="p14">
+  <mc:AlternateContent xmlns:mc="http://schemas.openxmlformats.org/markup-compatibility/2006" xmlns:p14="http://schemas.microsoft.com/office/powerpoint/2010/main">
+    <mc:Choice Requires="p14">
       <p:transition spd="slow" p14:dur="2000" advClick="0" advTm="5000"/>
     </mc:Choice>
-    <mc:Fallback>
+    <mc:Fallback xmlns="">
       <p:transition spd="slow" advClick="0" advTm="5000"/>
     </mc:Fallback>
   </mc:AlternateContent>
@@ -33242,7 +33242,7 @@
         <p:spPr bwMode="auto">
           <a:xfrm>
             <a:off x="896708" y="1967343"/>
-            <a:ext cx="8500692" cy="4383296"/>
+            <a:ext cx="8500692" cy="3849816"/>
           </a:xfrm>
           <a:prstGeom prst="rect">
             <a:avLst/>
@@ -33299,7 +33299,7 @@
                 <a:latin typeface="Consolas" pitchFamily="49" charset="0"/>
                 <a:cs typeface="Consolas" pitchFamily="49" charset="0"/>
               </a:rPr>
-              <a:t> Mammal, IAnimal {}</a:t>
+              <a:t> IAnimal {}</a:t>
             </a:r>
           </a:p>
           <a:p>
@@ -33332,32 +33332,10 @@
               <a:buFont typeface="Wingdings" panose="05000000000000000000" pitchFamily="2" charset="2"/>
               <a:buNone/>
             </a:pPr>
-            <a:r>
-              <a:rPr lang="en-US" sz="2800" b="1" noProof="1">
-                <a:latin typeface="Consolas" pitchFamily="49" charset="0"/>
-                <a:cs typeface="Consolas" pitchFamily="49" charset="0"/>
-              </a:rPr>
-              <a:t>Mammal personOne = new Person();</a:t>
-            </a:r>
-          </a:p>
-          <a:p>
-            <a:pPr defTabSz="1218438" latinLnBrk="1">
-              <a:spcBef>
-                <a:spcPts val="400"/>
-              </a:spcBef>
-              <a:spcAft>
-                <a:spcPts val="400"/>
-              </a:spcAft>
-              <a:buFont typeface="Wingdings" panose="05000000000000000000" pitchFamily="2" charset="2"/>
-              <a:buNone/>
-            </a:pPr>
-            <a:r>
-              <a:rPr lang="en-US" sz="2800" b="1" noProof="1">
-                <a:latin typeface="Consolas" pitchFamily="49" charset="0"/>
-                <a:cs typeface="Consolas" pitchFamily="49" charset="0"/>
-              </a:rPr>
-              <a:t>Person personTwo = new Person();</a:t>
-            </a:r>
+            <a:endParaRPr lang="en-US" sz="2800" b="1" noProof="1">
+              <a:latin typeface="Consolas" pitchFamily="49" charset="0"/>
+              <a:cs typeface="Consolas" pitchFamily="49" charset="0"/>
+            </a:endParaRPr>
           </a:p>
           <a:p>
             <a:pPr defTabSz="1218438" latinLnBrk="1">
@@ -33481,7 +33459,7 @@
         </p:nvSpPr>
         <p:spPr bwMode="auto">
           <a:xfrm>
-            <a:off x="3396000" y="5757174"/>
+            <a:off x="2901000" y="5212742"/>
             <a:ext cx="4680000" cy="900000"/>
           </a:xfrm>
           <a:prstGeom prst="wedgeRoundRectCallout">
@@ -33552,13 +33530,13 @@
         </p:nvSpPr>
         <p:spPr bwMode="auto">
           <a:xfrm>
-            <a:off x="5736000" y="4194000"/>
+            <a:off x="5646000" y="3114000"/>
             <a:ext cx="3661399" cy="900000"/>
           </a:xfrm>
           <a:prstGeom prst="wedgeRoundRectCallout">
             <a:avLst>
-              <a:gd name="adj1" fmla="val -64027"/>
-              <a:gd name="adj2" fmla="val -26034"/>
+              <a:gd name="adj1" fmla="val -62600"/>
+              <a:gd name="adj2" fmla="val 26217"/>
               <a:gd name="adj3" fmla="val 16667"/>
             </a:avLst>
           </a:prstGeom>
@@ -33722,7 +33700,7 @@
                                         <p:tgtEl>
                                           <p:spTgt spid="7">
                                             <p:txEl>
-                                              <p:pRg st="4" end="4"/>
+                                              <p:pRg st="3" end="3"/>
                                             </p:txEl>
                                           </p:spTgt>
                                         </p:tgtEl>
@@ -33753,7 +33731,7 @@
                                         <p:tgtEl>
                                           <p:spTgt spid="7">
                                             <p:txEl>
-                                              <p:pRg st="5" end="5"/>
+                                              <p:pRg st="4" end="4"/>
                                             </p:txEl>
                                           </p:spTgt>
                                         </p:tgtEl>
@@ -33784,7 +33762,7 @@
                                         <p:tgtEl>
                                           <p:spTgt spid="7">
                                             <p:txEl>
-                                              <p:pRg st="6" end="6"/>
+                                              <p:pRg st="5" end="5"/>
                                             </p:txEl>
                                           </p:spTgt>
                                         </p:tgtEl>
@@ -33815,7 +33793,7 @@
                                         <p:tgtEl>
                                           <p:spTgt spid="7">
                                             <p:txEl>
-                                              <p:pRg st="7" end="7"/>
+                                              <p:pRg st="6" end="6"/>
                                             </p:txEl>
                                           </p:spTgt>
                                         </p:tgtEl>

--- a/Courses/Software-Sciences/Module-1-OOP/11.1-Polymorphism-Basics/11.1-Polymorphism-Basics.pptx
+++ b/Courses/Software-Sciences/Module-1-OOP/11.1-Polymorphism-Basics/11.1-Polymorphism-Basics.pptx
@@ -33418,7 +33418,7 @@
                 <a:latin typeface="Consolas" pitchFamily="49" charset="0"/>
                 <a:cs typeface="Consolas" pitchFamily="49" charset="0"/>
               </a:rPr>
-              <a:t>((Person) person)</a:t>
+              <a:t>((Person) person</a:t>
             </a:r>
             <a:r>
               <a:rPr lang="en-US" sz="2800" b="1" noProof="1">
